--- a/css slides.pptx
+++ b/css slides.pptx
@@ -5,7 +5,7 @@
     <p:sldMasterId id="2147483842" r:id="rId1"/>
   </p:sldMasterIdLst>
   <p:notesMasterIdLst>
-    <p:notesMasterId r:id="rId17"/>
+    <p:notesMasterId r:id="rId30"/>
   </p:notesMasterIdLst>
   <p:sldIdLst>
     <p:sldId id="256" r:id="rId2"/>
@@ -23,6 +23,19 @@
     <p:sldId id="268" r:id="rId14"/>
     <p:sldId id="269" r:id="rId15"/>
     <p:sldId id="270" r:id="rId16"/>
+    <p:sldId id="271" r:id="rId17"/>
+    <p:sldId id="272" r:id="rId18"/>
+    <p:sldId id="273" r:id="rId19"/>
+    <p:sldId id="274" r:id="rId20"/>
+    <p:sldId id="275" r:id="rId21"/>
+    <p:sldId id="276" r:id="rId22"/>
+    <p:sldId id="277" r:id="rId23"/>
+    <p:sldId id="278" r:id="rId24"/>
+    <p:sldId id="279" r:id="rId25"/>
+    <p:sldId id="280" r:id="rId26"/>
+    <p:sldId id="281" r:id="rId27"/>
+    <p:sldId id="282" r:id="rId28"/>
+    <p:sldId id="283" r:id="rId29"/>
   </p:sldIdLst>
   <p:sldSz cx="12192000" cy="6858000"/>
   <p:notesSz cx="6858000" cy="9144000"/>
@@ -121,6 +134,11 @@
       </a:defRPr>
     </a:lvl9pPr>
   </p:defaultTextStyle>
+  <p:extLst>
+    <p:ext uri="{EFAFB233-063F-42B5-8137-9DF3F51BA10A}">
+      <p15:sldGuideLst xmlns:p15="http://schemas.microsoft.com/office/powerpoint/2012/main"/>
+    </p:ext>
+  </p:extLst>
 </p:presentation>
 </file>
 
@@ -206,7 +224,7 @@
           <a:p>
             <a:fld id="{D8FB40EA-C6ED-4E39-B89C-63380BF4AB31}" type="datetimeFigureOut">
               <a:rPr lang="en-US" smtClean="0"/>
-              <a:t>11/10/2018</a:t>
+              <a:t>11/11/2018</a:t>
             </a:fld>
             <a:endParaRPr lang="en-US"/>
           </a:p>
@@ -569,6 +587,580 @@
 </p:notes>
 </file>
 
+<file path=ppt/notesSlides/notesSlide10.xml><?xml version="1.0" encoding="utf-8"?>
+<p:notes xmlns:a="http://schemas.openxmlformats.org/drawingml/2006/main" xmlns:r="http://schemas.openxmlformats.org/officeDocument/2006/relationships" xmlns:p="http://schemas.openxmlformats.org/presentationml/2006/main">
+  <p:cSld>
+    <p:spTree>
+      <p:nvGrpSpPr>
+        <p:cNvPr id="1" name=""/>
+        <p:cNvGrpSpPr/>
+        <p:nvPr/>
+      </p:nvGrpSpPr>
+      <p:grpSpPr>
+        <a:xfrm>
+          <a:off x="0" y="0"/>
+          <a:ext cx="0" cy="0"/>
+          <a:chOff x="0" y="0"/>
+          <a:chExt cx="0" cy="0"/>
+        </a:xfrm>
+      </p:grpSpPr>
+      <p:sp>
+        <p:nvSpPr>
+          <p:cNvPr id="2" name="Slide Image Placeholder 1"/>
+          <p:cNvSpPr>
+            <a:spLocks noGrp="1" noRot="1" noChangeAspect="1"/>
+          </p:cNvSpPr>
+          <p:nvPr>
+            <p:ph type="sldImg"/>
+          </p:nvPr>
+        </p:nvSpPr>
+        <p:spPr/>
+      </p:sp>
+      <p:sp>
+        <p:nvSpPr>
+          <p:cNvPr id="3" name="Notes Placeholder 2"/>
+          <p:cNvSpPr>
+            <a:spLocks noGrp="1"/>
+          </p:cNvSpPr>
+          <p:nvPr>
+            <p:ph type="body" idx="1"/>
+          </p:nvPr>
+        </p:nvSpPr>
+        <p:spPr/>
+        <p:txBody>
+          <a:bodyPr/>
+          <a:lstStyle/>
+          <a:p>
+            <a:r>
+              <a:rPr lang="en-US" dirty="0" smtClean="0"/>
+              <a:t>B)</a:t>
+            </a:r>
+            <a:r>
+              <a:rPr lang="en-US" baseline="0" dirty="0" smtClean="0"/>
+              <a:t> </a:t>
+            </a:r>
+            <a:r>
+              <a:rPr lang="en-US" baseline="0" dirty="0" err="1" smtClean="0"/>
+              <a:t>rel</a:t>
+            </a:r>
+            <a:endParaRPr lang="en-US" dirty="0"/>
+          </a:p>
+        </p:txBody>
+      </p:sp>
+      <p:sp>
+        <p:nvSpPr>
+          <p:cNvPr id="4" name="Slide Number Placeholder 3"/>
+          <p:cNvSpPr>
+            <a:spLocks noGrp="1"/>
+          </p:cNvSpPr>
+          <p:nvPr>
+            <p:ph type="sldNum" sz="quarter" idx="10"/>
+          </p:nvPr>
+        </p:nvSpPr>
+        <p:spPr/>
+        <p:txBody>
+          <a:bodyPr/>
+          <a:lstStyle/>
+          <a:p>
+            <a:fld id="{2169ECC4-72EE-4D15-A508-C81DF2A8BB00}" type="slidenum">
+              <a:rPr lang="en-US" smtClean="0"/>
+              <a:t>20</a:t>
+            </a:fld>
+            <a:endParaRPr lang="en-US"/>
+          </a:p>
+        </p:txBody>
+      </p:sp>
+    </p:spTree>
+    <p:extLst>
+      <p:ext uri="{BB962C8B-B14F-4D97-AF65-F5344CB8AC3E}">
+        <p14:creationId xmlns:p14="http://schemas.microsoft.com/office/powerpoint/2010/main" val="2232546992"/>
+      </p:ext>
+    </p:extLst>
+  </p:cSld>
+  <p:clrMapOvr>
+    <a:masterClrMapping/>
+  </p:clrMapOvr>
+</p:notes>
+</file>
+
+<file path=ppt/notesSlides/notesSlide11.xml><?xml version="1.0" encoding="utf-8"?>
+<p:notes xmlns:a="http://schemas.openxmlformats.org/drawingml/2006/main" xmlns:r="http://schemas.openxmlformats.org/officeDocument/2006/relationships" xmlns:p="http://schemas.openxmlformats.org/presentationml/2006/main">
+  <p:cSld>
+    <p:spTree>
+      <p:nvGrpSpPr>
+        <p:cNvPr id="1" name=""/>
+        <p:cNvGrpSpPr/>
+        <p:nvPr/>
+      </p:nvGrpSpPr>
+      <p:grpSpPr>
+        <a:xfrm>
+          <a:off x="0" y="0"/>
+          <a:ext cx="0" cy="0"/>
+          <a:chOff x="0" y="0"/>
+          <a:chExt cx="0" cy="0"/>
+        </a:xfrm>
+      </p:grpSpPr>
+      <p:sp>
+        <p:nvSpPr>
+          <p:cNvPr id="2" name="Slide Image Placeholder 1"/>
+          <p:cNvSpPr>
+            <a:spLocks noGrp="1" noRot="1" noChangeAspect="1"/>
+          </p:cNvSpPr>
+          <p:nvPr>
+            <p:ph type="sldImg"/>
+          </p:nvPr>
+        </p:nvSpPr>
+        <p:spPr/>
+      </p:sp>
+      <p:sp>
+        <p:nvSpPr>
+          <p:cNvPr id="3" name="Notes Placeholder 2"/>
+          <p:cNvSpPr>
+            <a:spLocks noGrp="1"/>
+          </p:cNvSpPr>
+          <p:nvPr>
+            <p:ph type="body" idx="1"/>
+          </p:nvPr>
+        </p:nvSpPr>
+        <p:spPr/>
+        <p:txBody>
+          <a:bodyPr/>
+          <a:lstStyle/>
+          <a:p>
+            <a:r>
+              <a:rPr lang="en-US" dirty="0" smtClean="0"/>
+              <a:t>&lt;style&gt;</a:t>
+            </a:r>
+            <a:endParaRPr lang="en-US" dirty="0"/>
+          </a:p>
+        </p:txBody>
+      </p:sp>
+      <p:sp>
+        <p:nvSpPr>
+          <p:cNvPr id="4" name="Slide Number Placeholder 3"/>
+          <p:cNvSpPr>
+            <a:spLocks noGrp="1"/>
+          </p:cNvSpPr>
+          <p:nvPr>
+            <p:ph type="sldNum" sz="quarter" idx="10"/>
+          </p:nvPr>
+        </p:nvSpPr>
+        <p:spPr/>
+        <p:txBody>
+          <a:bodyPr/>
+          <a:lstStyle/>
+          <a:p>
+            <a:fld id="{2169ECC4-72EE-4D15-A508-C81DF2A8BB00}" type="slidenum">
+              <a:rPr lang="en-US" smtClean="0"/>
+              <a:t>21</a:t>
+            </a:fld>
+            <a:endParaRPr lang="en-US"/>
+          </a:p>
+        </p:txBody>
+      </p:sp>
+    </p:spTree>
+    <p:extLst>
+      <p:ext uri="{BB962C8B-B14F-4D97-AF65-F5344CB8AC3E}">
+        <p14:creationId xmlns:p14="http://schemas.microsoft.com/office/powerpoint/2010/main" val="1687266771"/>
+      </p:ext>
+    </p:extLst>
+  </p:cSld>
+  <p:clrMapOvr>
+    <a:masterClrMapping/>
+  </p:clrMapOvr>
+</p:notes>
+</file>
+
+<file path=ppt/notesSlides/notesSlide12.xml><?xml version="1.0" encoding="utf-8"?>
+<p:notes xmlns:a="http://schemas.openxmlformats.org/drawingml/2006/main" xmlns:r="http://schemas.openxmlformats.org/officeDocument/2006/relationships" xmlns:p="http://schemas.openxmlformats.org/presentationml/2006/main">
+  <p:cSld>
+    <p:spTree>
+      <p:nvGrpSpPr>
+        <p:cNvPr id="1" name=""/>
+        <p:cNvGrpSpPr/>
+        <p:nvPr/>
+      </p:nvGrpSpPr>
+      <p:grpSpPr>
+        <a:xfrm>
+          <a:off x="0" y="0"/>
+          <a:ext cx="0" cy="0"/>
+          <a:chOff x="0" y="0"/>
+          <a:chExt cx="0" cy="0"/>
+        </a:xfrm>
+      </p:grpSpPr>
+      <p:sp>
+        <p:nvSpPr>
+          <p:cNvPr id="2" name="Slide Image Placeholder 1"/>
+          <p:cNvSpPr>
+            <a:spLocks noGrp="1" noRot="1" noChangeAspect="1"/>
+          </p:cNvSpPr>
+          <p:nvPr>
+            <p:ph type="sldImg"/>
+          </p:nvPr>
+        </p:nvSpPr>
+        <p:spPr/>
+      </p:sp>
+      <p:sp>
+        <p:nvSpPr>
+          <p:cNvPr id="3" name="Notes Placeholder 2"/>
+          <p:cNvSpPr>
+            <a:spLocks noGrp="1"/>
+          </p:cNvSpPr>
+          <p:nvPr>
+            <p:ph type="body" idx="1"/>
+          </p:nvPr>
+        </p:nvSpPr>
+        <p:spPr/>
+        <p:txBody>
+          <a:bodyPr/>
+          <a:lstStyle/>
+          <a:p>
+            <a:pPr marL="228600" indent="-228600">
+              <a:buAutoNum type="alphaUcParenR"/>
+            </a:pPr>
+            <a:r>
+              <a:rPr lang="en-US" dirty="0" smtClean="0"/>
+              <a:t>The browser is required to download all styles each time a new page loads.</a:t>
+            </a:r>
+          </a:p>
+        </p:txBody>
+      </p:sp>
+      <p:sp>
+        <p:nvSpPr>
+          <p:cNvPr id="4" name="Slide Number Placeholder 3"/>
+          <p:cNvSpPr>
+            <a:spLocks noGrp="1"/>
+          </p:cNvSpPr>
+          <p:nvPr>
+            <p:ph type="sldNum" sz="quarter" idx="10"/>
+          </p:nvPr>
+        </p:nvSpPr>
+        <p:spPr/>
+        <p:txBody>
+          <a:bodyPr/>
+          <a:lstStyle/>
+          <a:p>
+            <a:fld id="{2169ECC4-72EE-4D15-A508-C81DF2A8BB00}" type="slidenum">
+              <a:rPr lang="en-US" smtClean="0"/>
+              <a:t>22</a:t>
+            </a:fld>
+            <a:endParaRPr lang="en-US"/>
+          </a:p>
+        </p:txBody>
+      </p:sp>
+    </p:spTree>
+    <p:extLst>
+      <p:ext uri="{BB962C8B-B14F-4D97-AF65-F5344CB8AC3E}">
+        <p14:creationId xmlns:p14="http://schemas.microsoft.com/office/powerpoint/2010/main" val="1988594460"/>
+      </p:ext>
+    </p:extLst>
+  </p:cSld>
+  <p:clrMapOvr>
+    <a:masterClrMapping/>
+  </p:clrMapOvr>
+</p:notes>
+</file>
+
+<file path=ppt/notesSlides/notesSlide13.xml><?xml version="1.0" encoding="utf-8"?>
+<p:notes xmlns:a="http://schemas.openxmlformats.org/drawingml/2006/main" xmlns:r="http://schemas.openxmlformats.org/officeDocument/2006/relationships" xmlns:p="http://schemas.openxmlformats.org/presentationml/2006/main">
+  <p:cSld>
+    <p:spTree>
+      <p:nvGrpSpPr>
+        <p:cNvPr id="1" name=""/>
+        <p:cNvGrpSpPr/>
+        <p:nvPr/>
+      </p:nvGrpSpPr>
+      <p:grpSpPr>
+        <a:xfrm>
+          <a:off x="0" y="0"/>
+          <a:ext cx="0" cy="0"/>
+          <a:chOff x="0" y="0"/>
+          <a:chExt cx="0" cy="0"/>
+        </a:xfrm>
+      </p:grpSpPr>
+      <p:sp>
+        <p:nvSpPr>
+          <p:cNvPr id="2" name="Slide Image Placeholder 1"/>
+          <p:cNvSpPr>
+            <a:spLocks noGrp="1" noRot="1" noChangeAspect="1"/>
+          </p:cNvSpPr>
+          <p:nvPr>
+            <p:ph type="sldImg"/>
+          </p:nvPr>
+        </p:nvSpPr>
+        <p:spPr/>
+      </p:sp>
+      <p:sp>
+        <p:nvSpPr>
+          <p:cNvPr id="3" name="Notes Placeholder 2"/>
+          <p:cNvSpPr>
+            <a:spLocks noGrp="1"/>
+          </p:cNvSpPr>
+          <p:nvPr>
+            <p:ph type="body" idx="1"/>
+          </p:nvPr>
+        </p:nvSpPr>
+        <p:spPr/>
+        <p:txBody>
+          <a:bodyPr/>
+          <a:lstStyle/>
+          <a:p>
+            <a:r>
+              <a:rPr lang="en-US" dirty="0" smtClean="0"/>
+              <a:t>C) .</a:t>
+            </a:r>
+            <a:r>
+              <a:rPr lang="en-US" dirty="0" err="1" smtClean="0"/>
+              <a:t>css</a:t>
+            </a:r>
+            <a:endParaRPr lang="en-US" dirty="0"/>
+          </a:p>
+        </p:txBody>
+      </p:sp>
+      <p:sp>
+        <p:nvSpPr>
+          <p:cNvPr id="4" name="Slide Number Placeholder 3"/>
+          <p:cNvSpPr>
+            <a:spLocks noGrp="1"/>
+          </p:cNvSpPr>
+          <p:nvPr>
+            <p:ph type="sldNum" sz="quarter" idx="10"/>
+          </p:nvPr>
+        </p:nvSpPr>
+        <p:spPr/>
+        <p:txBody>
+          <a:bodyPr/>
+          <a:lstStyle/>
+          <a:p>
+            <a:fld id="{2169ECC4-72EE-4D15-A508-C81DF2A8BB00}" type="slidenum">
+              <a:rPr lang="en-US" smtClean="0"/>
+              <a:t>23</a:t>
+            </a:fld>
+            <a:endParaRPr lang="en-US"/>
+          </a:p>
+        </p:txBody>
+      </p:sp>
+    </p:spTree>
+    <p:extLst>
+      <p:ext uri="{BB962C8B-B14F-4D97-AF65-F5344CB8AC3E}">
+        <p14:creationId xmlns:p14="http://schemas.microsoft.com/office/powerpoint/2010/main" val="3299251250"/>
+      </p:ext>
+    </p:extLst>
+  </p:cSld>
+  <p:clrMapOvr>
+    <a:masterClrMapping/>
+  </p:clrMapOvr>
+</p:notes>
+</file>
+
+<file path=ppt/notesSlides/notesSlide14.xml><?xml version="1.0" encoding="utf-8"?>
+<p:notes xmlns:a="http://schemas.openxmlformats.org/drawingml/2006/main" xmlns:r="http://schemas.openxmlformats.org/officeDocument/2006/relationships" xmlns:p="http://schemas.openxmlformats.org/presentationml/2006/main">
+  <p:cSld>
+    <p:spTree>
+      <p:nvGrpSpPr>
+        <p:cNvPr id="1" name=""/>
+        <p:cNvGrpSpPr/>
+        <p:nvPr/>
+      </p:nvGrpSpPr>
+      <p:grpSpPr>
+        <a:xfrm>
+          <a:off x="0" y="0"/>
+          <a:ext cx="0" cy="0"/>
+          <a:chOff x="0" y="0"/>
+          <a:chExt cx="0" cy="0"/>
+        </a:xfrm>
+      </p:grpSpPr>
+      <p:sp>
+        <p:nvSpPr>
+          <p:cNvPr id="2" name="Slide Image Placeholder 1"/>
+          <p:cNvSpPr>
+            <a:spLocks noGrp="1" noRot="1" noChangeAspect="1"/>
+          </p:cNvSpPr>
+          <p:nvPr>
+            <p:ph type="sldImg"/>
+          </p:nvPr>
+        </p:nvSpPr>
+        <p:spPr/>
+      </p:sp>
+      <p:sp>
+        <p:nvSpPr>
+          <p:cNvPr id="3" name="Notes Placeholder 2"/>
+          <p:cNvSpPr>
+            <a:spLocks noGrp="1"/>
+          </p:cNvSpPr>
+          <p:nvPr>
+            <p:ph type="body" idx="1"/>
+          </p:nvPr>
+        </p:nvSpPr>
+        <p:spPr/>
+        <p:txBody>
+          <a:bodyPr/>
+          <a:lstStyle/>
+          <a:p>
+            <a:r>
+              <a:rPr lang="en-US" dirty="0" smtClean="0"/>
+              <a:t>A) @import</a:t>
+            </a:r>
+            <a:endParaRPr lang="en-US" dirty="0"/>
+          </a:p>
+        </p:txBody>
+      </p:sp>
+      <p:sp>
+        <p:nvSpPr>
+          <p:cNvPr id="4" name="Slide Number Placeholder 3"/>
+          <p:cNvSpPr>
+            <a:spLocks noGrp="1"/>
+          </p:cNvSpPr>
+          <p:nvPr>
+            <p:ph type="sldNum" sz="quarter" idx="10"/>
+          </p:nvPr>
+        </p:nvSpPr>
+        <p:spPr/>
+        <p:txBody>
+          <a:bodyPr/>
+          <a:lstStyle/>
+          <a:p>
+            <a:fld id="{2169ECC4-72EE-4D15-A508-C81DF2A8BB00}" type="slidenum">
+              <a:rPr lang="en-US" smtClean="0"/>
+              <a:t>24</a:t>
+            </a:fld>
+            <a:endParaRPr lang="en-US"/>
+          </a:p>
+        </p:txBody>
+      </p:sp>
+    </p:spTree>
+    <p:extLst>
+      <p:ext uri="{BB962C8B-B14F-4D97-AF65-F5344CB8AC3E}">
+        <p14:creationId xmlns:p14="http://schemas.microsoft.com/office/powerpoint/2010/main" val="3247694965"/>
+      </p:ext>
+    </p:extLst>
+  </p:cSld>
+  <p:clrMapOvr>
+    <a:masterClrMapping/>
+  </p:clrMapOvr>
+</p:notes>
+</file>
+
+<file path=ppt/notesSlides/notesSlide15.xml><?xml version="1.0" encoding="utf-8"?>
+<p:notes xmlns:a="http://schemas.openxmlformats.org/drawingml/2006/main" xmlns:r="http://schemas.openxmlformats.org/officeDocument/2006/relationships" xmlns:p="http://schemas.openxmlformats.org/presentationml/2006/main">
+  <p:cSld>
+    <p:spTree>
+      <p:nvGrpSpPr>
+        <p:cNvPr id="1" name=""/>
+        <p:cNvGrpSpPr/>
+        <p:nvPr/>
+      </p:nvGrpSpPr>
+      <p:grpSpPr>
+        <a:xfrm>
+          <a:off x="0" y="0"/>
+          <a:ext cx="0" cy="0"/>
+          <a:chOff x="0" y="0"/>
+          <a:chExt cx="0" cy="0"/>
+        </a:xfrm>
+      </p:grpSpPr>
+      <p:sp>
+        <p:nvSpPr>
+          <p:cNvPr id="2" name="Slide Image Placeholder 1"/>
+          <p:cNvSpPr>
+            <a:spLocks noGrp="1" noRot="1" noChangeAspect="1"/>
+          </p:cNvSpPr>
+          <p:nvPr>
+            <p:ph type="sldImg"/>
+          </p:nvPr>
+        </p:nvSpPr>
+        <p:spPr/>
+      </p:sp>
+      <p:sp>
+        <p:nvSpPr>
+          <p:cNvPr id="3" name="Notes Placeholder 2"/>
+          <p:cNvSpPr>
+            <a:spLocks noGrp="1"/>
+          </p:cNvSpPr>
+          <p:nvPr>
+            <p:ph type="body" idx="1"/>
+          </p:nvPr>
+        </p:nvSpPr>
+        <p:spPr/>
+        <p:txBody>
+          <a:bodyPr/>
+          <a:lstStyle/>
+          <a:p>
+            <a:pPr fontAlgn="base"/>
+            <a:r>
+              <a:rPr lang="en-US" sz="1200" b="0" i="0" kern="1200" dirty="0" smtClean="0">
+                <a:solidFill>
+                  <a:schemeClr val="tx1"/>
+                </a:solidFill>
+                <a:effectLst/>
+                <a:latin typeface="+mn-lt"/>
+                <a:ea typeface="+mn-ea"/>
+                <a:cs typeface="+mn-cs"/>
+              </a:rPr>
+              <a:t>for example, to target every paragraph element</a:t>
+            </a:r>
+            <a:r>
+              <a:rPr lang="en-US" sz="1200" b="0" i="0" kern="1200" baseline="0" dirty="0" smtClean="0">
+                <a:solidFill>
+                  <a:schemeClr val="tx1"/>
+                </a:solidFill>
+                <a:effectLst/>
+                <a:latin typeface="+mn-lt"/>
+                <a:ea typeface="+mn-ea"/>
+                <a:cs typeface="+mn-cs"/>
+              </a:rPr>
+              <a:t> </a:t>
+            </a:r>
+            <a:r>
+              <a:rPr lang="en-US" sz="1200" b="0" i="0" kern="1200" dirty="0" smtClean="0">
+                <a:solidFill>
+                  <a:schemeClr val="tx1"/>
+                </a:solidFill>
+                <a:effectLst/>
+                <a:latin typeface="+mn-lt"/>
+                <a:ea typeface="+mn-ea"/>
+                <a:cs typeface="+mn-cs"/>
+              </a:rPr>
+              <a:t>in our HTML file, we need to use the p element as our selector.</a:t>
+            </a:r>
+          </a:p>
+        </p:txBody>
+      </p:sp>
+      <p:sp>
+        <p:nvSpPr>
+          <p:cNvPr id="4" name="Slide Number Placeholder 3"/>
+          <p:cNvSpPr>
+            <a:spLocks noGrp="1"/>
+          </p:cNvSpPr>
+          <p:nvPr>
+            <p:ph type="sldNum" sz="quarter" idx="10"/>
+          </p:nvPr>
+        </p:nvSpPr>
+        <p:spPr/>
+        <p:txBody>
+          <a:bodyPr/>
+          <a:lstStyle/>
+          <a:p>
+            <a:fld id="{2169ECC4-72EE-4D15-A508-C81DF2A8BB00}" type="slidenum">
+              <a:rPr lang="en-US" smtClean="0"/>
+              <a:t>28</a:t>
+            </a:fld>
+            <a:endParaRPr lang="en-US"/>
+          </a:p>
+        </p:txBody>
+      </p:sp>
+    </p:spTree>
+    <p:extLst>
+      <p:ext uri="{BB962C8B-B14F-4D97-AF65-F5344CB8AC3E}">
+        <p14:creationId xmlns:p14="http://schemas.microsoft.com/office/powerpoint/2010/main" val="2834381978"/>
+      </p:ext>
+    </p:extLst>
+  </p:cSld>
+  <p:clrMapOvr>
+    <a:masterClrMapping/>
+  </p:clrMapOvr>
+</p:notes>
+</file>
+
 <file path=ppt/notesSlides/notesSlide2.xml><?xml version="1.0" encoding="utf-8"?>
 <p:notes xmlns:a="http://schemas.openxmlformats.org/drawingml/2006/main" xmlns:r="http://schemas.openxmlformats.org/officeDocument/2006/relationships" xmlns:p="http://schemas.openxmlformats.org/presentationml/2006/main">
   <p:cSld>
@@ -1258,6 +1850,274 @@
 </p:notes>
 </file>
 
+<file path=ppt/notesSlides/notesSlide7.xml><?xml version="1.0" encoding="utf-8"?>
+<p:notes xmlns:a="http://schemas.openxmlformats.org/drawingml/2006/main" xmlns:r="http://schemas.openxmlformats.org/officeDocument/2006/relationships" xmlns:p="http://schemas.openxmlformats.org/presentationml/2006/main">
+  <p:cSld>
+    <p:spTree>
+      <p:nvGrpSpPr>
+        <p:cNvPr id="1" name=""/>
+        <p:cNvGrpSpPr/>
+        <p:nvPr/>
+      </p:nvGrpSpPr>
+      <p:grpSpPr>
+        <a:xfrm>
+          <a:off x="0" y="0"/>
+          <a:ext cx="0" cy="0"/>
+          <a:chOff x="0" y="0"/>
+          <a:chExt cx="0" cy="0"/>
+        </a:xfrm>
+      </p:grpSpPr>
+      <p:sp>
+        <p:nvSpPr>
+          <p:cNvPr id="2" name="Slide Image Placeholder 1"/>
+          <p:cNvSpPr>
+            <a:spLocks noGrp="1" noRot="1" noChangeAspect="1"/>
+          </p:cNvSpPr>
+          <p:nvPr>
+            <p:ph type="sldImg"/>
+          </p:nvPr>
+        </p:nvSpPr>
+        <p:spPr/>
+      </p:sp>
+      <p:sp>
+        <p:nvSpPr>
+          <p:cNvPr id="3" name="Notes Placeholder 2"/>
+          <p:cNvSpPr>
+            <a:spLocks noGrp="1"/>
+          </p:cNvSpPr>
+          <p:nvPr>
+            <p:ph type="body" idx="1"/>
+          </p:nvPr>
+        </p:nvSpPr>
+        <p:spPr/>
+        <p:txBody>
+          <a:bodyPr/>
+          <a:lstStyle/>
+          <a:p>
+            <a:r>
+              <a:rPr lang="en-US" dirty="0" smtClean="0"/>
+              <a:t>External</a:t>
+            </a:r>
+            <a:endParaRPr lang="en-US" dirty="0"/>
+          </a:p>
+        </p:txBody>
+      </p:sp>
+      <p:sp>
+        <p:nvSpPr>
+          <p:cNvPr id="4" name="Slide Number Placeholder 3"/>
+          <p:cNvSpPr>
+            <a:spLocks noGrp="1"/>
+          </p:cNvSpPr>
+          <p:nvPr>
+            <p:ph type="sldNum" sz="quarter" idx="10"/>
+          </p:nvPr>
+        </p:nvSpPr>
+        <p:spPr/>
+        <p:txBody>
+          <a:bodyPr/>
+          <a:lstStyle/>
+          <a:p>
+            <a:fld id="{2169ECC4-72EE-4D15-A508-C81DF2A8BB00}" type="slidenum">
+              <a:rPr lang="en-US" smtClean="0"/>
+              <a:t>17</a:t>
+            </a:fld>
+            <a:endParaRPr lang="en-US"/>
+          </a:p>
+        </p:txBody>
+      </p:sp>
+    </p:spTree>
+    <p:extLst>
+      <p:ext uri="{BB962C8B-B14F-4D97-AF65-F5344CB8AC3E}">
+        <p14:creationId xmlns:p14="http://schemas.microsoft.com/office/powerpoint/2010/main" val="2284477754"/>
+      </p:ext>
+    </p:extLst>
+  </p:cSld>
+  <p:clrMapOvr>
+    <a:masterClrMapping/>
+  </p:clrMapOvr>
+</p:notes>
+</file>
+
+<file path=ppt/notesSlides/notesSlide8.xml><?xml version="1.0" encoding="utf-8"?>
+<p:notes xmlns:a="http://schemas.openxmlformats.org/drawingml/2006/main" xmlns:r="http://schemas.openxmlformats.org/officeDocument/2006/relationships" xmlns:p="http://schemas.openxmlformats.org/presentationml/2006/main">
+  <p:cSld>
+    <p:spTree>
+      <p:nvGrpSpPr>
+        <p:cNvPr id="1" name=""/>
+        <p:cNvGrpSpPr/>
+        <p:nvPr/>
+      </p:nvGrpSpPr>
+      <p:grpSpPr>
+        <a:xfrm>
+          <a:off x="0" y="0"/>
+          <a:ext cx="0" cy="0"/>
+          <a:chOff x="0" y="0"/>
+          <a:chExt cx="0" cy="0"/>
+        </a:xfrm>
+      </p:grpSpPr>
+      <p:sp>
+        <p:nvSpPr>
+          <p:cNvPr id="2" name="Slide Image Placeholder 1"/>
+          <p:cNvSpPr>
+            <a:spLocks noGrp="1" noRot="1" noChangeAspect="1"/>
+          </p:cNvSpPr>
+          <p:nvPr>
+            <p:ph type="sldImg"/>
+          </p:nvPr>
+        </p:nvSpPr>
+        <p:spPr/>
+      </p:sp>
+      <p:sp>
+        <p:nvSpPr>
+          <p:cNvPr id="3" name="Notes Placeholder 2"/>
+          <p:cNvSpPr>
+            <a:spLocks noGrp="1"/>
+          </p:cNvSpPr>
+          <p:nvPr>
+            <p:ph type="body" idx="1"/>
+          </p:nvPr>
+        </p:nvSpPr>
+        <p:spPr/>
+        <p:txBody>
+          <a:bodyPr/>
+          <a:lstStyle/>
+          <a:p>
+            <a:r>
+              <a:rPr lang="en-US" dirty="0" smtClean="0"/>
+              <a:t>Style</a:t>
+            </a:r>
+            <a:endParaRPr lang="en-US" dirty="0"/>
+          </a:p>
+        </p:txBody>
+      </p:sp>
+      <p:sp>
+        <p:nvSpPr>
+          <p:cNvPr id="4" name="Slide Number Placeholder 3"/>
+          <p:cNvSpPr>
+            <a:spLocks noGrp="1"/>
+          </p:cNvSpPr>
+          <p:nvPr>
+            <p:ph type="sldNum" sz="quarter" idx="10"/>
+          </p:nvPr>
+        </p:nvSpPr>
+        <p:spPr/>
+        <p:txBody>
+          <a:bodyPr/>
+          <a:lstStyle/>
+          <a:p>
+            <a:fld id="{2169ECC4-72EE-4D15-A508-C81DF2A8BB00}" type="slidenum">
+              <a:rPr lang="en-US" smtClean="0"/>
+              <a:t>18</a:t>
+            </a:fld>
+            <a:endParaRPr lang="en-US"/>
+          </a:p>
+        </p:txBody>
+      </p:sp>
+    </p:spTree>
+    <p:extLst>
+      <p:ext uri="{BB962C8B-B14F-4D97-AF65-F5344CB8AC3E}">
+        <p14:creationId xmlns:p14="http://schemas.microsoft.com/office/powerpoint/2010/main" val="3396063680"/>
+      </p:ext>
+    </p:extLst>
+  </p:cSld>
+  <p:clrMapOvr>
+    <a:masterClrMapping/>
+  </p:clrMapOvr>
+</p:notes>
+</file>
+
+<file path=ppt/notesSlides/notesSlide9.xml><?xml version="1.0" encoding="utf-8"?>
+<p:notes xmlns:a="http://schemas.openxmlformats.org/drawingml/2006/main" xmlns:r="http://schemas.openxmlformats.org/officeDocument/2006/relationships" xmlns:p="http://schemas.openxmlformats.org/presentationml/2006/main">
+  <p:cSld>
+    <p:spTree>
+      <p:nvGrpSpPr>
+        <p:cNvPr id="1" name=""/>
+        <p:cNvGrpSpPr/>
+        <p:nvPr/>
+      </p:nvGrpSpPr>
+      <p:grpSpPr>
+        <a:xfrm>
+          <a:off x="0" y="0"/>
+          <a:ext cx="0" cy="0"/>
+          <a:chOff x="0" y="0"/>
+          <a:chExt cx="0" cy="0"/>
+        </a:xfrm>
+      </p:grpSpPr>
+      <p:sp>
+        <p:nvSpPr>
+          <p:cNvPr id="2" name="Slide Image Placeholder 1"/>
+          <p:cNvSpPr>
+            <a:spLocks noGrp="1" noRot="1" noChangeAspect="1"/>
+          </p:cNvSpPr>
+          <p:nvPr>
+            <p:ph type="sldImg"/>
+          </p:nvPr>
+        </p:nvSpPr>
+        <p:spPr/>
+      </p:sp>
+      <p:sp>
+        <p:nvSpPr>
+          <p:cNvPr id="3" name="Notes Placeholder 2"/>
+          <p:cNvSpPr>
+            <a:spLocks noGrp="1"/>
+          </p:cNvSpPr>
+          <p:nvPr>
+            <p:ph type="body" idx="1"/>
+          </p:nvPr>
+        </p:nvSpPr>
+        <p:spPr/>
+        <p:txBody>
+          <a:bodyPr/>
+          <a:lstStyle/>
+          <a:p>
+            <a:r>
+              <a:rPr lang="en-US" dirty="0" smtClean="0"/>
+              <a:t>A) Inline</a:t>
+            </a:r>
+            <a:r>
+              <a:rPr lang="en-US" baseline="0" dirty="0" smtClean="0"/>
+              <a:t> styles, internal styles, external style sheet</a:t>
+            </a:r>
+            <a:endParaRPr lang="en-US" dirty="0"/>
+          </a:p>
+        </p:txBody>
+      </p:sp>
+      <p:sp>
+        <p:nvSpPr>
+          <p:cNvPr id="4" name="Slide Number Placeholder 3"/>
+          <p:cNvSpPr>
+            <a:spLocks noGrp="1"/>
+          </p:cNvSpPr>
+          <p:nvPr>
+            <p:ph type="sldNum" sz="quarter" idx="10"/>
+          </p:nvPr>
+        </p:nvSpPr>
+        <p:spPr/>
+        <p:txBody>
+          <a:bodyPr/>
+          <a:lstStyle/>
+          <a:p>
+            <a:fld id="{2169ECC4-72EE-4D15-A508-C81DF2A8BB00}" type="slidenum">
+              <a:rPr lang="en-US" smtClean="0"/>
+              <a:t>19</a:t>
+            </a:fld>
+            <a:endParaRPr lang="en-US"/>
+          </a:p>
+        </p:txBody>
+      </p:sp>
+    </p:spTree>
+    <p:extLst>
+      <p:ext uri="{BB962C8B-B14F-4D97-AF65-F5344CB8AC3E}">
+        <p14:creationId xmlns:p14="http://schemas.microsoft.com/office/powerpoint/2010/main" val="3716872860"/>
+      </p:ext>
+    </p:extLst>
+  </p:cSld>
+  <p:clrMapOvr>
+    <a:masterClrMapping/>
+  </p:clrMapOvr>
+</p:notes>
+</file>
+
 <file path=ppt/slideLayouts/slideLayout1.xml><?xml version="1.0" encoding="utf-8"?>
 <p:sldLayout xmlns:a="http://schemas.openxmlformats.org/drawingml/2006/main" xmlns:r="http://schemas.openxmlformats.org/officeDocument/2006/relationships" xmlns:p="http://schemas.openxmlformats.org/presentationml/2006/main" type="title" preserve="1">
   <p:cSld name="Title Slide">
@@ -1444,7 +2304,7 @@
           <a:p>
             <a:fld id="{52CF4980-FD5D-4EBD-A998-CCE619E8A4CC}" type="datetimeFigureOut">
               <a:rPr lang="en-US" smtClean="0"/>
-              <a:t>11/10/2018</a:t>
+              <a:t>11/11/2018</a:t>
             </a:fld>
             <a:endParaRPr lang="en-US"/>
           </a:p>
@@ -1719,7 +2579,7 @@
           <a:p>
             <a:fld id="{52CF4980-FD5D-4EBD-A998-CCE619E8A4CC}" type="datetimeFigureOut">
               <a:rPr lang="en-US" smtClean="0"/>
-              <a:t>11/10/2018</a:t>
+              <a:t>11/11/2018</a:t>
             </a:fld>
             <a:endParaRPr lang="en-US"/>
           </a:p>
@@ -1913,7 +2773,7 @@
           <a:p>
             <a:fld id="{52CF4980-FD5D-4EBD-A998-CCE619E8A4CC}" type="datetimeFigureOut">
               <a:rPr lang="en-US" smtClean="0"/>
-              <a:t>11/10/2018</a:t>
+              <a:t>11/11/2018</a:t>
             </a:fld>
             <a:endParaRPr lang="en-US"/>
           </a:p>
@@ -2186,7 +3046,7 @@
           <a:p>
             <a:fld id="{52CF4980-FD5D-4EBD-A998-CCE619E8A4CC}" type="datetimeFigureOut">
               <a:rPr lang="en-US" smtClean="0"/>
-              <a:t>11/10/2018</a:t>
+              <a:t>11/11/2018</a:t>
             </a:fld>
             <a:endParaRPr lang="en-US"/>
           </a:p>
@@ -2527,7 +3387,7 @@
           <a:p>
             <a:fld id="{52CF4980-FD5D-4EBD-A998-CCE619E8A4CC}" type="datetimeFigureOut">
               <a:rPr lang="en-US" smtClean="0"/>
-              <a:t>11/10/2018</a:t>
+              <a:t>11/11/2018</a:t>
             </a:fld>
             <a:endParaRPr lang="en-US"/>
           </a:p>
@@ -3150,7 +4010,7 @@
           <a:p>
             <a:fld id="{52CF4980-FD5D-4EBD-A998-CCE619E8A4CC}" type="datetimeFigureOut">
               <a:rPr lang="en-US" smtClean="0"/>
-              <a:t>11/10/2018</a:t>
+              <a:t>11/11/2018</a:t>
             </a:fld>
             <a:endParaRPr lang="en-US"/>
           </a:p>
@@ -4010,7 +4870,7 @@
           <a:p>
             <a:fld id="{52CF4980-FD5D-4EBD-A998-CCE619E8A4CC}" type="datetimeFigureOut">
               <a:rPr lang="en-US" smtClean="0"/>
-              <a:t>11/10/2018</a:t>
+              <a:t>11/11/2018</a:t>
             </a:fld>
             <a:endParaRPr lang="en-US"/>
           </a:p>
@@ -4180,7 +5040,7 @@
           <a:p>
             <a:fld id="{52CF4980-FD5D-4EBD-A998-CCE619E8A4CC}" type="datetimeFigureOut">
               <a:rPr lang="en-US" smtClean="0"/>
-              <a:t>11/10/2018</a:t>
+              <a:t>11/11/2018</a:t>
             </a:fld>
             <a:endParaRPr lang="en-US"/>
           </a:p>
@@ -4360,7 +5220,7 @@
           <a:p>
             <a:fld id="{52CF4980-FD5D-4EBD-A998-CCE619E8A4CC}" type="datetimeFigureOut">
               <a:rPr lang="en-US" smtClean="0"/>
-              <a:t>11/10/2018</a:t>
+              <a:t>11/11/2018</a:t>
             </a:fld>
             <a:endParaRPr lang="en-US"/>
           </a:p>
@@ -4530,7 +5390,7 @@
           <a:p>
             <a:fld id="{52CF4980-FD5D-4EBD-A998-CCE619E8A4CC}" type="datetimeFigureOut">
               <a:rPr lang="en-US" smtClean="0"/>
-              <a:t>11/10/2018</a:t>
+              <a:t>11/11/2018</a:t>
             </a:fld>
             <a:endParaRPr lang="en-US"/>
           </a:p>
@@ -4777,7 +5637,7 @@
           <a:p>
             <a:fld id="{52CF4980-FD5D-4EBD-A998-CCE619E8A4CC}" type="datetimeFigureOut">
               <a:rPr lang="en-US" smtClean="0"/>
-              <a:t>11/10/2018</a:t>
+              <a:t>11/11/2018</a:t>
             </a:fld>
             <a:endParaRPr lang="en-US"/>
           </a:p>
@@ -5069,7 +5929,7 @@
           <a:p>
             <a:fld id="{52CF4980-FD5D-4EBD-A998-CCE619E8A4CC}" type="datetimeFigureOut">
               <a:rPr lang="en-US" smtClean="0"/>
-              <a:t>11/10/2018</a:t>
+              <a:t>11/11/2018</a:t>
             </a:fld>
             <a:endParaRPr lang="en-US"/>
           </a:p>
@@ -5513,7 +6373,7 @@
           <a:p>
             <a:fld id="{52CF4980-FD5D-4EBD-A998-CCE619E8A4CC}" type="datetimeFigureOut">
               <a:rPr lang="en-US" smtClean="0"/>
-              <a:t>11/10/2018</a:t>
+              <a:t>11/11/2018</a:t>
             </a:fld>
             <a:endParaRPr lang="en-US"/>
           </a:p>
@@ -5631,7 +6491,7 @@
           <a:p>
             <a:fld id="{52CF4980-FD5D-4EBD-A998-CCE619E8A4CC}" type="datetimeFigureOut">
               <a:rPr lang="en-US" smtClean="0"/>
-              <a:t>11/10/2018</a:t>
+              <a:t>11/11/2018</a:t>
             </a:fld>
             <a:endParaRPr lang="en-US"/>
           </a:p>
@@ -5726,7 +6586,7 @@
           <a:p>
             <a:fld id="{52CF4980-FD5D-4EBD-A998-CCE619E8A4CC}" type="datetimeFigureOut">
               <a:rPr lang="en-US" smtClean="0"/>
-              <a:t>11/10/2018</a:t>
+              <a:t>11/11/2018</a:t>
             </a:fld>
             <a:endParaRPr lang="en-US"/>
           </a:p>
@@ -6005,7 +6865,7 @@
           <a:p>
             <a:fld id="{52CF4980-FD5D-4EBD-A998-CCE619E8A4CC}" type="datetimeFigureOut">
               <a:rPr lang="en-US" smtClean="0"/>
-              <a:t>11/10/2018</a:t>
+              <a:t>11/11/2018</a:t>
             </a:fld>
             <a:endParaRPr lang="en-US"/>
           </a:p>
@@ -6280,7 +7140,7 @@
           <a:p>
             <a:fld id="{52CF4980-FD5D-4EBD-A998-CCE619E8A4CC}" type="datetimeFigureOut">
               <a:rPr lang="en-US" smtClean="0"/>
-              <a:t>11/10/2018</a:t>
+              <a:t>11/11/2018</a:t>
             </a:fld>
             <a:endParaRPr lang="en-US"/>
           </a:p>
@@ -6709,7 +7569,7 @@
           <a:p>
             <a:fld id="{52CF4980-FD5D-4EBD-A998-CCE619E8A4CC}" type="datetimeFigureOut">
               <a:rPr lang="en-US" smtClean="0"/>
-              <a:t>11/10/2018</a:t>
+              <a:t>11/11/2018</a:t>
             </a:fld>
             <a:endParaRPr lang="en-US"/>
           </a:p>
@@ -7588,7 +8448,6 @@
               <a:rPr lang="en-US" dirty="0"/>
               <a:t>.</a:t>
             </a:r>
-            <a:endParaRPr lang="en-US" dirty="0"/>
           </a:p>
         </p:txBody>
       </p:sp>
@@ -8120,7 +8979,6 @@
               <a:rPr lang="en-US" dirty="0"/>
               <a:t>/style.css.</a:t>
             </a:r>
-            <a:endParaRPr lang="en-US" dirty="0"/>
           </a:p>
         </p:txBody>
       </p:sp>
@@ -8304,14 +9162,10 @@
             <a:pPr fontAlgn="base"/>
             <a:r>
               <a:rPr lang="en-US" dirty="0"/>
-              <a:t>The styles written in a style sheet can be shared across multiple web </a:t>
-            </a:r>
-            <a:r>
-              <a:rPr lang="en-US"/>
-              <a:t>pages</a:t>
-            </a:r>
-            <a:r>
-              <a:rPr lang="en-US" smtClean="0"/>
+              <a:t>The styles written in a style sheet can be shared across multiple web pages</a:t>
+            </a:r>
+            <a:r>
+              <a:rPr lang="en-US" dirty="0" smtClean="0"/>
               <a:t>.</a:t>
             </a:r>
             <a:endParaRPr lang="en-US" dirty="0"/>
@@ -8322,6 +9176,305 @@
     <p:extLst>
       <p:ext uri="{BB962C8B-B14F-4D97-AF65-F5344CB8AC3E}">
         <p14:creationId xmlns:p14="http://schemas.microsoft.com/office/powerpoint/2010/main" val="3927244460"/>
+      </p:ext>
+    </p:extLst>
+  </p:cSld>
+  <p:clrMapOvr>
+    <a:masterClrMapping/>
+  </p:clrMapOvr>
+</p:sld>
+</file>
+
+<file path=ppt/slides/slide16.xml><?xml version="1.0" encoding="utf-8"?>
+<p:sld xmlns:a="http://schemas.openxmlformats.org/drawingml/2006/main" xmlns:r="http://schemas.openxmlformats.org/officeDocument/2006/relationships" xmlns:p="http://schemas.openxmlformats.org/presentationml/2006/main">
+  <p:cSld>
+    <p:spTree>
+      <p:nvGrpSpPr>
+        <p:cNvPr id="1" name=""/>
+        <p:cNvGrpSpPr/>
+        <p:nvPr/>
+      </p:nvGrpSpPr>
+      <p:grpSpPr>
+        <a:xfrm>
+          <a:off x="0" y="0"/>
+          <a:ext cx="0" cy="0"/>
+          <a:chOff x="0" y="0"/>
+          <a:chExt cx="0" cy="0"/>
+        </a:xfrm>
+      </p:grpSpPr>
+      <p:sp>
+        <p:nvSpPr>
+          <p:cNvPr id="2" name="Title 1"/>
+          <p:cNvSpPr>
+            <a:spLocks noGrp="1"/>
+          </p:cNvSpPr>
+          <p:nvPr>
+            <p:ph type="title"/>
+          </p:nvPr>
+        </p:nvSpPr>
+        <p:spPr>
+          <a:xfrm>
+            <a:off x="1219318" y="2595416"/>
+            <a:ext cx="9404723" cy="1400530"/>
+          </a:xfrm>
+        </p:spPr>
+        <p:txBody>
+          <a:bodyPr/>
+          <a:lstStyle/>
+          <a:p>
+            <a:pPr algn="ctr"/>
+            <a:r>
+              <a:rPr lang="en-US" sz="9600" dirty="0" smtClean="0"/>
+              <a:t>Quiz</a:t>
+            </a:r>
+            <a:endParaRPr lang="en-US" sz="9600" dirty="0"/>
+          </a:p>
+        </p:txBody>
+      </p:sp>
+    </p:spTree>
+    <p:extLst>
+      <p:ext uri="{BB962C8B-B14F-4D97-AF65-F5344CB8AC3E}">
+        <p14:creationId xmlns:p14="http://schemas.microsoft.com/office/powerpoint/2010/main" val="4193252547"/>
+      </p:ext>
+    </p:extLst>
+  </p:cSld>
+  <p:clrMapOvr>
+    <a:masterClrMapping/>
+  </p:clrMapOvr>
+</p:sld>
+</file>
+
+<file path=ppt/slides/slide17.xml><?xml version="1.0" encoding="utf-8"?>
+<p:sld xmlns:a="http://schemas.openxmlformats.org/drawingml/2006/main" xmlns:r="http://schemas.openxmlformats.org/officeDocument/2006/relationships" xmlns:p="http://schemas.openxmlformats.org/presentationml/2006/main">
+  <p:cSld>
+    <p:spTree>
+      <p:nvGrpSpPr>
+        <p:cNvPr id="1" name=""/>
+        <p:cNvGrpSpPr/>
+        <p:nvPr/>
+      </p:nvGrpSpPr>
+      <p:grpSpPr>
+        <a:xfrm>
+          <a:off x="0" y="0"/>
+          <a:ext cx="0" cy="0"/>
+          <a:chOff x="0" y="0"/>
+          <a:chExt cx="0" cy="0"/>
+        </a:xfrm>
+      </p:grpSpPr>
+      <p:pic>
+        <p:nvPicPr>
+          <p:cNvPr id="4" name="Picture 3"/>
+          <p:cNvPicPr>
+            <a:picLocks noChangeAspect="1"/>
+          </p:cNvPicPr>
+          <p:nvPr/>
+        </p:nvPicPr>
+        <p:blipFill>
+          <a:blip r:embed="rId3"/>
+          <a:stretch>
+            <a:fillRect/>
+          </a:stretch>
+        </p:blipFill>
+        <p:spPr>
+          <a:xfrm>
+            <a:off x="591520" y="1278179"/>
+            <a:ext cx="11088805" cy="682388"/>
+          </a:xfrm>
+          <a:prstGeom prst="rect">
+            <a:avLst/>
+          </a:prstGeom>
+        </p:spPr>
+      </p:pic>
+      <p:pic>
+        <p:nvPicPr>
+          <p:cNvPr id="5" name="Content Placeholder 4"/>
+          <p:cNvPicPr>
+            <a:picLocks noGrp="1" noChangeAspect="1"/>
+          </p:cNvPicPr>
+          <p:nvPr>
+            <p:ph idx="1"/>
+          </p:nvPr>
+        </p:nvPicPr>
+        <p:blipFill>
+          <a:blip r:embed="rId4"/>
+          <a:stretch>
+            <a:fillRect/>
+          </a:stretch>
+        </p:blipFill>
+        <p:spPr>
+          <a:xfrm>
+            <a:off x="591521" y="1960567"/>
+            <a:ext cx="11088804" cy="4688905"/>
+          </a:xfrm>
+          <a:prstGeom prst="rect">
+            <a:avLst/>
+          </a:prstGeom>
+        </p:spPr>
+      </p:pic>
+    </p:spTree>
+    <p:extLst>
+      <p:ext uri="{BB962C8B-B14F-4D97-AF65-F5344CB8AC3E}">
+        <p14:creationId xmlns:p14="http://schemas.microsoft.com/office/powerpoint/2010/main" val="2558632927"/>
+      </p:ext>
+    </p:extLst>
+  </p:cSld>
+  <p:clrMapOvr>
+    <a:masterClrMapping/>
+  </p:clrMapOvr>
+</p:sld>
+</file>
+
+<file path=ppt/slides/slide18.xml><?xml version="1.0" encoding="utf-8"?>
+<p:sld xmlns:a="http://schemas.openxmlformats.org/drawingml/2006/main" xmlns:r="http://schemas.openxmlformats.org/officeDocument/2006/relationships" xmlns:p="http://schemas.openxmlformats.org/presentationml/2006/main">
+  <p:cSld>
+    <p:spTree>
+      <p:nvGrpSpPr>
+        <p:cNvPr id="1" name=""/>
+        <p:cNvGrpSpPr/>
+        <p:nvPr/>
+      </p:nvGrpSpPr>
+      <p:grpSpPr>
+        <a:xfrm>
+          <a:off x="0" y="0"/>
+          <a:ext cx="0" cy="0"/>
+          <a:chOff x="0" y="0"/>
+          <a:chExt cx="0" cy="0"/>
+        </a:xfrm>
+      </p:grpSpPr>
+      <p:pic>
+        <p:nvPicPr>
+          <p:cNvPr id="5" name="Content Placeholder 4"/>
+          <p:cNvPicPr>
+            <a:picLocks noGrp="1" noChangeAspect="1"/>
+          </p:cNvPicPr>
+          <p:nvPr>
+            <p:ph idx="1"/>
+          </p:nvPr>
+        </p:nvPicPr>
+        <p:blipFill>
+          <a:blip r:embed="rId3"/>
+          <a:stretch>
+            <a:fillRect/>
+          </a:stretch>
+        </p:blipFill>
+        <p:spPr>
+          <a:xfrm>
+            <a:off x="703680" y="2374712"/>
+            <a:ext cx="10332074" cy="3050854"/>
+          </a:xfrm>
+          <a:prstGeom prst="rect">
+            <a:avLst/>
+          </a:prstGeom>
+        </p:spPr>
+      </p:pic>
+      <p:pic>
+        <p:nvPicPr>
+          <p:cNvPr id="4" name="Picture 3"/>
+          <p:cNvPicPr>
+            <a:picLocks noChangeAspect="1"/>
+          </p:cNvPicPr>
+          <p:nvPr/>
+        </p:nvPicPr>
+        <p:blipFill>
+          <a:blip r:embed="rId4"/>
+          <a:stretch>
+            <a:fillRect/>
+          </a:stretch>
+        </p:blipFill>
+        <p:spPr>
+          <a:xfrm>
+            <a:off x="703680" y="1719619"/>
+            <a:ext cx="10332074" cy="655093"/>
+          </a:xfrm>
+          <a:prstGeom prst="rect">
+            <a:avLst/>
+          </a:prstGeom>
+        </p:spPr>
+      </p:pic>
+    </p:spTree>
+    <p:extLst>
+      <p:ext uri="{BB962C8B-B14F-4D97-AF65-F5344CB8AC3E}">
+        <p14:creationId xmlns:p14="http://schemas.microsoft.com/office/powerpoint/2010/main" val="3607229806"/>
+      </p:ext>
+    </p:extLst>
+  </p:cSld>
+  <p:clrMapOvr>
+    <a:masterClrMapping/>
+  </p:clrMapOvr>
+</p:sld>
+</file>
+
+<file path=ppt/slides/slide19.xml><?xml version="1.0" encoding="utf-8"?>
+<p:sld xmlns:a="http://schemas.openxmlformats.org/drawingml/2006/main" xmlns:r="http://schemas.openxmlformats.org/officeDocument/2006/relationships" xmlns:p="http://schemas.openxmlformats.org/presentationml/2006/main">
+  <p:cSld>
+    <p:spTree>
+      <p:nvGrpSpPr>
+        <p:cNvPr id="1" name=""/>
+        <p:cNvGrpSpPr/>
+        <p:nvPr/>
+      </p:nvGrpSpPr>
+      <p:grpSpPr>
+        <a:xfrm>
+          <a:off x="0" y="0"/>
+          <a:ext cx="0" cy="0"/>
+          <a:chOff x="0" y="0"/>
+          <a:chExt cx="0" cy="0"/>
+        </a:xfrm>
+      </p:grpSpPr>
+      <p:pic>
+        <p:nvPicPr>
+          <p:cNvPr id="4" name="Picture 3"/>
+          <p:cNvPicPr>
+            <a:picLocks noChangeAspect="1"/>
+          </p:cNvPicPr>
+          <p:nvPr/>
+        </p:nvPicPr>
+        <p:blipFill>
+          <a:blip r:embed="rId3"/>
+          <a:stretch>
+            <a:fillRect/>
+          </a:stretch>
+        </p:blipFill>
+        <p:spPr>
+          <a:xfrm>
+            <a:off x="803061" y="1242370"/>
+            <a:ext cx="9773953" cy="736554"/>
+          </a:xfrm>
+          <a:prstGeom prst="rect">
+            <a:avLst/>
+          </a:prstGeom>
+        </p:spPr>
+      </p:pic>
+      <p:pic>
+        <p:nvPicPr>
+          <p:cNvPr id="7" name="Content Placeholder 6"/>
+          <p:cNvPicPr>
+            <a:picLocks noGrp="1" noChangeAspect="1"/>
+          </p:cNvPicPr>
+          <p:nvPr>
+            <p:ph idx="1"/>
+          </p:nvPr>
+        </p:nvPicPr>
+        <p:blipFill>
+          <a:blip r:embed="rId4"/>
+          <a:stretch>
+            <a:fillRect/>
+          </a:stretch>
+        </p:blipFill>
+        <p:spPr>
+          <a:xfrm>
+            <a:off x="803061" y="1978924"/>
+            <a:ext cx="9773953" cy="4398897"/>
+          </a:xfrm>
+          <a:prstGeom prst="rect">
+            <a:avLst/>
+          </a:prstGeom>
+        </p:spPr>
+      </p:pic>
+    </p:spTree>
+    <p:extLst>
+      <p:ext uri="{BB962C8B-B14F-4D97-AF65-F5344CB8AC3E}">
+        <p14:creationId xmlns:p14="http://schemas.microsoft.com/office/powerpoint/2010/main" val="840225984"/>
       </p:ext>
     </p:extLst>
   </p:cSld>
@@ -8442,6 +9595,896 @@
       </p:par>
     </p:tnLst>
   </p:timing>
+</p:sld>
+</file>
+
+<file path=ppt/slides/slide20.xml><?xml version="1.0" encoding="utf-8"?>
+<p:sld xmlns:a="http://schemas.openxmlformats.org/drawingml/2006/main" xmlns:r="http://schemas.openxmlformats.org/officeDocument/2006/relationships" xmlns:p="http://schemas.openxmlformats.org/presentationml/2006/main">
+  <p:cSld>
+    <p:spTree>
+      <p:nvGrpSpPr>
+        <p:cNvPr id="1" name=""/>
+        <p:cNvGrpSpPr/>
+        <p:nvPr/>
+      </p:nvGrpSpPr>
+      <p:grpSpPr>
+        <a:xfrm>
+          <a:off x="0" y="0"/>
+          <a:ext cx="0" cy="0"/>
+          <a:chOff x="0" y="0"/>
+          <a:chExt cx="0" cy="0"/>
+        </a:xfrm>
+      </p:grpSpPr>
+      <p:pic>
+        <p:nvPicPr>
+          <p:cNvPr id="4" name="Picture 3"/>
+          <p:cNvPicPr>
+            <a:picLocks noChangeAspect="1"/>
+          </p:cNvPicPr>
+          <p:nvPr/>
+        </p:nvPicPr>
+        <p:blipFill>
+          <a:blip r:embed="rId3"/>
+          <a:stretch>
+            <a:fillRect/>
+          </a:stretch>
+        </p:blipFill>
+        <p:spPr>
+          <a:xfrm>
+            <a:off x="425487" y="1323833"/>
+            <a:ext cx="11333958" cy="729085"/>
+          </a:xfrm>
+          <a:prstGeom prst="rect">
+            <a:avLst/>
+          </a:prstGeom>
+        </p:spPr>
+      </p:pic>
+      <p:pic>
+        <p:nvPicPr>
+          <p:cNvPr id="5" name="Content Placeholder 4"/>
+          <p:cNvPicPr>
+            <a:picLocks noGrp="1" noChangeAspect="1"/>
+          </p:cNvPicPr>
+          <p:nvPr>
+            <p:ph idx="1"/>
+          </p:nvPr>
+        </p:nvPicPr>
+        <p:blipFill>
+          <a:blip r:embed="rId4"/>
+          <a:stretch>
+            <a:fillRect/>
+          </a:stretch>
+        </p:blipFill>
+        <p:spPr>
+          <a:xfrm>
+            <a:off x="425487" y="2052918"/>
+            <a:ext cx="11333958" cy="4037222"/>
+          </a:xfrm>
+          <a:prstGeom prst="rect">
+            <a:avLst/>
+          </a:prstGeom>
+        </p:spPr>
+      </p:pic>
+    </p:spTree>
+    <p:extLst>
+      <p:ext uri="{BB962C8B-B14F-4D97-AF65-F5344CB8AC3E}">
+        <p14:creationId xmlns:p14="http://schemas.microsoft.com/office/powerpoint/2010/main" val="3172060631"/>
+      </p:ext>
+    </p:extLst>
+  </p:cSld>
+  <p:clrMapOvr>
+    <a:masterClrMapping/>
+  </p:clrMapOvr>
+</p:sld>
+</file>
+
+<file path=ppt/slides/slide21.xml><?xml version="1.0" encoding="utf-8"?>
+<p:sld xmlns:a="http://schemas.openxmlformats.org/drawingml/2006/main" xmlns:r="http://schemas.openxmlformats.org/officeDocument/2006/relationships" xmlns:p="http://schemas.openxmlformats.org/presentationml/2006/main">
+  <p:cSld>
+    <p:spTree>
+      <p:nvGrpSpPr>
+        <p:cNvPr id="1" name=""/>
+        <p:cNvGrpSpPr/>
+        <p:nvPr/>
+      </p:nvGrpSpPr>
+      <p:grpSpPr>
+        <a:xfrm>
+          <a:off x="0" y="0"/>
+          <a:ext cx="0" cy="0"/>
+          <a:chOff x="0" y="0"/>
+          <a:chExt cx="0" cy="0"/>
+        </a:xfrm>
+      </p:grpSpPr>
+      <p:pic>
+        <p:nvPicPr>
+          <p:cNvPr id="4" name="Picture 3"/>
+          <p:cNvPicPr>
+            <a:picLocks noChangeAspect="1"/>
+          </p:cNvPicPr>
+          <p:nvPr/>
+        </p:nvPicPr>
+        <p:blipFill>
+          <a:blip r:embed="rId3"/>
+          <a:stretch>
+            <a:fillRect/>
+          </a:stretch>
+        </p:blipFill>
+        <p:spPr>
+          <a:xfrm>
+            <a:off x="694170" y="2052918"/>
+            <a:ext cx="10434940" cy="688142"/>
+          </a:xfrm>
+          <a:prstGeom prst="rect">
+            <a:avLst/>
+          </a:prstGeom>
+        </p:spPr>
+      </p:pic>
+      <p:pic>
+        <p:nvPicPr>
+          <p:cNvPr id="5" name="Picture 4"/>
+          <p:cNvPicPr>
+            <a:picLocks noChangeAspect="1"/>
+          </p:cNvPicPr>
+          <p:nvPr/>
+        </p:nvPicPr>
+        <p:blipFill>
+          <a:blip r:embed="rId4"/>
+          <a:stretch>
+            <a:fillRect/>
+          </a:stretch>
+        </p:blipFill>
+        <p:spPr>
+          <a:xfrm>
+            <a:off x="694170" y="3109550"/>
+            <a:ext cx="10434940" cy="727490"/>
+          </a:xfrm>
+          <a:prstGeom prst="rect">
+            <a:avLst/>
+          </a:prstGeom>
+        </p:spPr>
+      </p:pic>
+    </p:spTree>
+    <p:extLst>
+      <p:ext uri="{BB962C8B-B14F-4D97-AF65-F5344CB8AC3E}">
+        <p14:creationId xmlns:p14="http://schemas.microsoft.com/office/powerpoint/2010/main" val="369276002"/>
+      </p:ext>
+    </p:extLst>
+  </p:cSld>
+  <p:clrMapOvr>
+    <a:masterClrMapping/>
+  </p:clrMapOvr>
+</p:sld>
+</file>
+
+<file path=ppt/slides/slide22.xml><?xml version="1.0" encoding="utf-8"?>
+<p:sld xmlns:a="http://schemas.openxmlformats.org/drawingml/2006/main" xmlns:r="http://schemas.openxmlformats.org/officeDocument/2006/relationships" xmlns:p="http://schemas.openxmlformats.org/presentationml/2006/main">
+  <p:cSld>
+    <p:spTree>
+      <p:nvGrpSpPr>
+        <p:cNvPr id="1" name=""/>
+        <p:cNvGrpSpPr/>
+        <p:nvPr/>
+      </p:nvGrpSpPr>
+      <p:grpSpPr>
+        <a:xfrm>
+          <a:off x="0" y="0"/>
+          <a:ext cx="0" cy="0"/>
+          <a:chOff x="0" y="0"/>
+          <a:chExt cx="0" cy="0"/>
+        </a:xfrm>
+      </p:grpSpPr>
+      <p:pic>
+        <p:nvPicPr>
+          <p:cNvPr id="5" name="Content Placeholder 4"/>
+          <p:cNvPicPr>
+            <a:picLocks noGrp="1" noChangeAspect="1"/>
+          </p:cNvPicPr>
+          <p:nvPr>
+            <p:ph idx="1"/>
+          </p:nvPr>
+        </p:nvPicPr>
+        <p:blipFill>
+          <a:blip r:embed="rId3"/>
+          <a:stretch>
+            <a:fillRect/>
+          </a:stretch>
+        </p:blipFill>
+        <p:spPr>
+          <a:xfrm>
+            <a:off x="948274" y="2426994"/>
+            <a:ext cx="9256615" cy="3446819"/>
+          </a:xfrm>
+          <a:prstGeom prst="rect">
+            <a:avLst/>
+          </a:prstGeom>
+        </p:spPr>
+      </p:pic>
+      <p:pic>
+        <p:nvPicPr>
+          <p:cNvPr id="4" name="Picture 3"/>
+          <p:cNvPicPr>
+            <a:picLocks noChangeAspect="1"/>
+          </p:cNvPicPr>
+          <p:nvPr/>
+        </p:nvPicPr>
+        <p:blipFill>
+          <a:blip r:embed="rId4"/>
+          <a:stretch>
+            <a:fillRect/>
+          </a:stretch>
+        </p:blipFill>
+        <p:spPr>
+          <a:xfrm>
+            <a:off x="948273" y="1454165"/>
+            <a:ext cx="9256615" cy="972829"/>
+          </a:xfrm>
+          <a:prstGeom prst="rect">
+            <a:avLst/>
+          </a:prstGeom>
+        </p:spPr>
+      </p:pic>
+    </p:spTree>
+    <p:extLst>
+      <p:ext uri="{BB962C8B-B14F-4D97-AF65-F5344CB8AC3E}">
+        <p14:creationId xmlns:p14="http://schemas.microsoft.com/office/powerpoint/2010/main" val="1686542093"/>
+      </p:ext>
+    </p:extLst>
+  </p:cSld>
+  <p:clrMapOvr>
+    <a:masterClrMapping/>
+  </p:clrMapOvr>
+</p:sld>
+</file>
+
+<file path=ppt/slides/slide23.xml><?xml version="1.0" encoding="utf-8"?>
+<p:sld xmlns:a="http://schemas.openxmlformats.org/drawingml/2006/main" xmlns:r="http://schemas.openxmlformats.org/officeDocument/2006/relationships" xmlns:p="http://schemas.openxmlformats.org/presentationml/2006/main">
+  <p:cSld>
+    <p:spTree>
+      <p:nvGrpSpPr>
+        <p:cNvPr id="1" name=""/>
+        <p:cNvGrpSpPr/>
+        <p:nvPr/>
+      </p:nvGrpSpPr>
+      <p:grpSpPr>
+        <a:xfrm>
+          <a:off x="0" y="0"/>
+          <a:ext cx="0" cy="0"/>
+          <a:chOff x="0" y="0"/>
+          <a:chExt cx="0" cy="0"/>
+        </a:xfrm>
+      </p:grpSpPr>
+      <p:pic>
+        <p:nvPicPr>
+          <p:cNvPr id="5" name="Content Placeholder 4"/>
+          <p:cNvPicPr>
+            <a:picLocks noGrp="1" noChangeAspect="1"/>
+          </p:cNvPicPr>
+          <p:nvPr>
+            <p:ph idx="1"/>
+          </p:nvPr>
+        </p:nvPicPr>
+        <p:blipFill>
+          <a:blip r:embed="rId3"/>
+          <a:stretch>
+            <a:fillRect/>
+          </a:stretch>
+        </p:blipFill>
+        <p:spPr>
+          <a:xfrm>
+            <a:off x="1063966" y="2052918"/>
+            <a:ext cx="9025232" cy="3315199"/>
+          </a:xfrm>
+          <a:prstGeom prst="rect">
+            <a:avLst/>
+          </a:prstGeom>
+        </p:spPr>
+      </p:pic>
+      <p:pic>
+        <p:nvPicPr>
+          <p:cNvPr id="4" name="Picture 3"/>
+          <p:cNvPicPr>
+            <a:picLocks noChangeAspect="1"/>
+          </p:cNvPicPr>
+          <p:nvPr/>
+        </p:nvPicPr>
+        <p:blipFill>
+          <a:blip r:embed="rId4"/>
+          <a:stretch>
+            <a:fillRect/>
+          </a:stretch>
+        </p:blipFill>
+        <p:spPr>
+          <a:xfrm>
+            <a:off x="1063966" y="1327028"/>
+            <a:ext cx="9025232" cy="725890"/>
+          </a:xfrm>
+          <a:prstGeom prst="rect">
+            <a:avLst/>
+          </a:prstGeom>
+        </p:spPr>
+      </p:pic>
+    </p:spTree>
+    <p:extLst>
+      <p:ext uri="{BB962C8B-B14F-4D97-AF65-F5344CB8AC3E}">
+        <p14:creationId xmlns:p14="http://schemas.microsoft.com/office/powerpoint/2010/main" val="2677257450"/>
+      </p:ext>
+    </p:extLst>
+  </p:cSld>
+  <p:clrMapOvr>
+    <a:masterClrMapping/>
+  </p:clrMapOvr>
+</p:sld>
+</file>
+
+<file path=ppt/slides/slide24.xml><?xml version="1.0" encoding="utf-8"?>
+<p:sld xmlns:a="http://schemas.openxmlformats.org/drawingml/2006/main" xmlns:r="http://schemas.openxmlformats.org/officeDocument/2006/relationships" xmlns:p="http://schemas.openxmlformats.org/presentationml/2006/main">
+  <p:cSld>
+    <p:spTree>
+      <p:nvGrpSpPr>
+        <p:cNvPr id="1" name=""/>
+        <p:cNvGrpSpPr/>
+        <p:nvPr/>
+      </p:nvGrpSpPr>
+      <p:grpSpPr>
+        <a:xfrm>
+          <a:off x="0" y="0"/>
+          <a:ext cx="0" cy="0"/>
+          <a:chOff x="0" y="0"/>
+          <a:chExt cx="0" cy="0"/>
+        </a:xfrm>
+      </p:grpSpPr>
+      <p:pic>
+        <p:nvPicPr>
+          <p:cNvPr id="4" name="Picture 3"/>
+          <p:cNvPicPr>
+            <a:picLocks noChangeAspect="1"/>
+          </p:cNvPicPr>
+          <p:nvPr/>
+        </p:nvPicPr>
+        <p:blipFill>
+          <a:blip r:embed="rId3"/>
+          <a:stretch>
+            <a:fillRect/>
+          </a:stretch>
+        </p:blipFill>
+        <p:spPr>
+          <a:xfrm>
+            <a:off x="956594" y="1748865"/>
+            <a:ext cx="9239973" cy="651605"/>
+          </a:xfrm>
+          <a:prstGeom prst="rect">
+            <a:avLst/>
+          </a:prstGeom>
+        </p:spPr>
+      </p:pic>
+      <p:pic>
+        <p:nvPicPr>
+          <p:cNvPr id="5" name="Content Placeholder 4"/>
+          <p:cNvPicPr>
+            <a:picLocks noGrp="1" noChangeAspect="1"/>
+          </p:cNvPicPr>
+          <p:nvPr>
+            <p:ph idx="1"/>
+          </p:nvPr>
+        </p:nvPicPr>
+        <p:blipFill>
+          <a:blip r:embed="rId4"/>
+          <a:stretch>
+            <a:fillRect/>
+          </a:stretch>
+        </p:blipFill>
+        <p:spPr>
+          <a:xfrm>
+            <a:off x="956594" y="2400470"/>
+            <a:ext cx="9239973" cy="3366128"/>
+          </a:xfrm>
+          <a:prstGeom prst="rect">
+            <a:avLst/>
+          </a:prstGeom>
+        </p:spPr>
+      </p:pic>
+    </p:spTree>
+    <p:extLst>
+      <p:ext uri="{BB962C8B-B14F-4D97-AF65-F5344CB8AC3E}">
+        <p14:creationId xmlns:p14="http://schemas.microsoft.com/office/powerpoint/2010/main" val="3354996393"/>
+      </p:ext>
+    </p:extLst>
+  </p:cSld>
+  <p:clrMapOvr>
+    <a:masterClrMapping/>
+  </p:clrMapOvr>
+</p:sld>
+</file>
+
+<file path=ppt/slides/slide25.xml><?xml version="1.0" encoding="utf-8"?>
+<p:sld xmlns:a="http://schemas.openxmlformats.org/drawingml/2006/main" xmlns:r="http://schemas.openxmlformats.org/officeDocument/2006/relationships" xmlns:p="http://schemas.openxmlformats.org/presentationml/2006/main">
+  <p:cSld>
+    <p:spTree>
+      <p:nvGrpSpPr>
+        <p:cNvPr id="1" name=""/>
+        <p:cNvGrpSpPr/>
+        <p:nvPr/>
+      </p:nvGrpSpPr>
+      <p:grpSpPr>
+        <a:xfrm>
+          <a:off x="0" y="0"/>
+          <a:ext cx="0" cy="0"/>
+          <a:chOff x="0" y="0"/>
+          <a:chExt cx="0" cy="0"/>
+        </a:xfrm>
+      </p:grpSpPr>
+      <p:sp>
+        <p:nvSpPr>
+          <p:cNvPr id="2" name="Title 1"/>
+          <p:cNvSpPr>
+            <a:spLocks noGrp="1"/>
+          </p:cNvSpPr>
+          <p:nvPr>
+            <p:ph type="title"/>
+          </p:nvPr>
+        </p:nvSpPr>
+        <p:spPr/>
+        <p:txBody>
+          <a:bodyPr/>
+          <a:lstStyle/>
+          <a:p>
+            <a:pPr fontAlgn="base"/>
+            <a:r>
+              <a:rPr lang="en-US" dirty="0"/>
+              <a:t>Intro to </a:t>
+            </a:r>
+            <a:r>
+              <a:rPr lang="en-US" dirty="0" smtClean="0"/>
+              <a:t>Selectors</a:t>
+            </a:r>
+            <a:endParaRPr lang="en-US" dirty="0"/>
+          </a:p>
+        </p:txBody>
+      </p:sp>
+      <p:sp>
+        <p:nvSpPr>
+          <p:cNvPr id="3" name="Content Placeholder 2"/>
+          <p:cNvSpPr>
+            <a:spLocks noGrp="1"/>
+          </p:cNvSpPr>
+          <p:nvPr>
+            <p:ph idx="1"/>
+          </p:nvPr>
+        </p:nvSpPr>
+        <p:spPr/>
+        <p:txBody>
+          <a:bodyPr/>
+          <a:lstStyle/>
+          <a:p>
+            <a:r>
+              <a:rPr lang="en-US" dirty="0"/>
+              <a:t>Selectors are one of the most important and powerful parts of CSS because they let us target the content we want to style. When we define a selector in our </a:t>
+            </a:r>
+            <a:r>
+              <a:rPr lang="en-US" dirty="0" err="1"/>
+              <a:t>stylesheet</a:t>
+            </a:r>
+            <a:r>
+              <a:rPr lang="en-US" dirty="0"/>
+              <a:t>, we’re instructing the browser to match every instance of that selector in the HTML</a:t>
+            </a:r>
+            <a:r>
+              <a:rPr lang="en-US" dirty="0" smtClean="0"/>
+              <a:t>.</a:t>
+            </a:r>
+          </a:p>
+          <a:p>
+            <a:pPr fontAlgn="base"/>
+            <a:r>
+              <a:rPr lang="en-US" dirty="0"/>
+              <a:t>Selectors can be defined based on an element's type, its class </a:t>
+            </a:r>
+            <a:r>
+              <a:rPr lang="en-US" dirty="0" smtClean="0"/>
+              <a:t>or</a:t>
+            </a:r>
+            <a:r>
+              <a:rPr lang="en-US" i="1" dirty="0" smtClean="0"/>
+              <a:t> </a:t>
+            </a:r>
+            <a:r>
+              <a:rPr lang="en-US" dirty="0" smtClean="0"/>
+              <a:t>ID </a:t>
+            </a:r>
+            <a:r>
+              <a:rPr lang="en-US" dirty="0"/>
+              <a:t>attribute, even how we interact with the element, and more.</a:t>
+            </a:r>
+          </a:p>
+          <a:p>
+            <a:pPr marL="0" indent="0">
+              <a:buNone/>
+            </a:pPr>
+            <a:endParaRPr lang="en-US" dirty="0"/>
+          </a:p>
+        </p:txBody>
+      </p:sp>
+    </p:spTree>
+    <p:extLst>
+      <p:ext uri="{BB962C8B-B14F-4D97-AF65-F5344CB8AC3E}">
+        <p14:creationId xmlns:p14="http://schemas.microsoft.com/office/powerpoint/2010/main" val="3366992995"/>
+      </p:ext>
+    </p:extLst>
+  </p:cSld>
+  <p:clrMapOvr>
+    <a:masterClrMapping/>
+  </p:clrMapOvr>
+</p:sld>
+</file>
+
+<file path=ppt/slides/slide26.xml><?xml version="1.0" encoding="utf-8"?>
+<p:sld xmlns:a="http://schemas.openxmlformats.org/drawingml/2006/main" xmlns:r="http://schemas.openxmlformats.org/officeDocument/2006/relationships" xmlns:p="http://schemas.openxmlformats.org/presentationml/2006/main">
+  <p:cSld>
+    <p:spTree>
+      <p:nvGrpSpPr>
+        <p:cNvPr id="1" name=""/>
+        <p:cNvGrpSpPr/>
+        <p:nvPr/>
+      </p:nvGrpSpPr>
+      <p:grpSpPr>
+        <a:xfrm>
+          <a:off x="0" y="0"/>
+          <a:ext cx="0" cy="0"/>
+          <a:chOff x="0" y="0"/>
+          <a:chExt cx="0" cy="0"/>
+        </a:xfrm>
+      </p:grpSpPr>
+      <p:sp>
+        <p:nvSpPr>
+          <p:cNvPr id="2" name="Title 1"/>
+          <p:cNvSpPr>
+            <a:spLocks noGrp="1"/>
+          </p:cNvSpPr>
+          <p:nvPr>
+            <p:ph type="title"/>
+          </p:nvPr>
+        </p:nvSpPr>
+        <p:spPr>
+          <a:xfrm>
+            <a:off x="1041896" y="4690103"/>
+            <a:ext cx="9404723" cy="1807088"/>
+          </a:xfrm>
+        </p:spPr>
+        <p:txBody>
+          <a:bodyPr/>
+          <a:lstStyle/>
+          <a:p>
+            <a:pPr fontAlgn="base"/>
+            <a:r>
+              <a:rPr lang="en-US" sz="2000" dirty="0"/>
+              <a:t>A CSS rule is made up of two main parts,</a:t>
+            </a:r>
+            <a:br>
+              <a:rPr lang="en-US" sz="2000" dirty="0"/>
+            </a:br>
+            <a:r>
+              <a:rPr lang="en-US" sz="2000" dirty="0" smtClean="0"/>
+              <a:t>the </a:t>
+            </a:r>
+            <a:r>
+              <a:rPr lang="en-US" sz="2000" dirty="0"/>
+              <a:t>selector followed by the declaration block.</a:t>
+            </a:r>
+            <a:br>
+              <a:rPr lang="en-US" sz="2000" dirty="0"/>
+            </a:br>
+            <a:r>
+              <a:rPr lang="en-US" sz="2000" dirty="0" smtClean="0"/>
+              <a:t>The </a:t>
+            </a:r>
+            <a:r>
+              <a:rPr lang="en-US" sz="2000" dirty="0"/>
+              <a:t>selector is the part of the CSS rule that targets HTML elements.</a:t>
+            </a:r>
+            <a:br>
+              <a:rPr lang="en-US" sz="2000" dirty="0"/>
+            </a:br>
+            <a:r>
+              <a:rPr lang="en-US" sz="2000" dirty="0" smtClean="0"/>
+              <a:t>It's </a:t>
+            </a:r>
+            <a:r>
+              <a:rPr lang="en-US" sz="2000" dirty="0"/>
+              <a:t>what actually lets us select the content we want to style</a:t>
+            </a:r>
+            <a:r>
+              <a:rPr lang="en-US" sz="2000" dirty="0" smtClean="0"/>
+              <a:t>.</a:t>
+            </a:r>
+            <a:endParaRPr lang="en-US" sz="2000" dirty="0"/>
+          </a:p>
+        </p:txBody>
+      </p:sp>
+      <p:pic>
+        <p:nvPicPr>
+          <p:cNvPr id="4" name="Content Placeholder 3"/>
+          <p:cNvPicPr>
+            <a:picLocks noGrp="1" noChangeAspect="1"/>
+          </p:cNvPicPr>
+          <p:nvPr>
+            <p:ph idx="1"/>
+          </p:nvPr>
+        </p:nvPicPr>
+        <p:blipFill>
+          <a:blip r:embed="rId2"/>
+          <a:stretch>
+            <a:fillRect/>
+          </a:stretch>
+        </p:blipFill>
+        <p:spPr>
+          <a:xfrm>
+            <a:off x="2089814" y="635723"/>
+            <a:ext cx="6810375" cy="3781425"/>
+          </a:xfrm>
+          <a:prstGeom prst="rect">
+            <a:avLst/>
+          </a:prstGeom>
+        </p:spPr>
+      </p:pic>
+    </p:spTree>
+    <p:extLst>
+      <p:ext uri="{BB962C8B-B14F-4D97-AF65-F5344CB8AC3E}">
+        <p14:creationId xmlns:p14="http://schemas.microsoft.com/office/powerpoint/2010/main" val="3411378210"/>
+      </p:ext>
+    </p:extLst>
+  </p:cSld>
+  <p:clrMapOvr>
+    <a:masterClrMapping/>
+  </p:clrMapOvr>
+</p:sld>
+</file>
+
+<file path=ppt/slides/slide27.xml><?xml version="1.0" encoding="utf-8"?>
+<p:sld xmlns:a="http://schemas.openxmlformats.org/drawingml/2006/main" xmlns:r="http://schemas.openxmlformats.org/officeDocument/2006/relationships" xmlns:p="http://schemas.openxmlformats.org/presentationml/2006/main">
+  <p:cSld>
+    <p:spTree>
+      <p:nvGrpSpPr>
+        <p:cNvPr id="1" name=""/>
+        <p:cNvGrpSpPr/>
+        <p:nvPr/>
+      </p:nvGrpSpPr>
+      <p:grpSpPr>
+        <a:xfrm>
+          <a:off x="0" y="0"/>
+          <a:ext cx="0" cy="0"/>
+          <a:chOff x="0" y="0"/>
+          <a:chExt cx="0" cy="0"/>
+        </a:xfrm>
+      </p:grpSpPr>
+      <p:sp>
+        <p:nvSpPr>
+          <p:cNvPr id="2" name="Title 1"/>
+          <p:cNvSpPr>
+            <a:spLocks noGrp="1"/>
+          </p:cNvSpPr>
+          <p:nvPr>
+            <p:ph type="title"/>
+          </p:nvPr>
+        </p:nvSpPr>
+        <p:spPr/>
+        <p:txBody>
+          <a:bodyPr/>
+          <a:lstStyle/>
+          <a:p>
+            <a:r>
+              <a:rPr lang="en-US" dirty="0"/>
+              <a:t>U</a:t>
+            </a:r>
+            <a:r>
+              <a:rPr lang="en-US" dirty="0" smtClean="0"/>
+              <a:t>niversal Selector</a:t>
+            </a:r>
+            <a:endParaRPr lang="en-US" dirty="0"/>
+          </a:p>
+        </p:txBody>
+      </p:sp>
+      <p:sp>
+        <p:nvSpPr>
+          <p:cNvPr id="3" name="Content Placeholder 2"/>
+          <p:cNvSpPr>
+            <a:spLocks noGrp="1"/>
+          </p:cNvSpPr>
+          <p:nvPr>
+            <p:ph idx="1"/>
+          </p:nvPr>
+        </p:nvSpPr>
+        <p:spPr/>
+        <p:txBody>
+          <a:bodyPr/>
+          <a:lstStyle/>
+          <a:p>
+            <a:pPr fontAlgn="base"/>
+            <a:r>
+              <a:rPr lang="en-US" dirty="0" smtClean="0"/>
+              <a:t>It is </a:t>
+            </a:r>
+            <a:r>
+              <a:rPr lang="en-US" dirty="0"/>
+              <a:t>called a universal selector because it selects every element </a:t>
+            </a:r>
+            <a:r>
+              <a:rPr lang="en-US" dirty="0" smtClean="0"/>
+              <a:t>on the </a:t>
+            </a:r>
+            <a:r>
+              <a:rPr lang="en-US" dirty="0"/>
+              <a:t>page at once and applies the styles we set.</a:t>
+            </a:r>
+          </a:p>
+          <a:p>
+            <a:pPr fontAlgn="base"/>
+            <a:r>
+              <a:rPr lang="en-US" dirty="0"/>
+              <a:t>I</a:t>
+            </a:r>
+            <a:r>
+              <a:rPr lang="en-US" dirty="0" smtClean="0"/>
+              <a:t>t's </a:t>
+            </a:r>
+            <a:r>
+              <a:rPr lang="en-US" dirty="0"/>
+              <a:t>a very powerful selector because it overrides all other </a:t>
+            </a:r>
+            <a:r>
+              <a:rPr lang="en-US" dirty="0" smtClean="0"/>
+              <a:t>selectors</a:t>
+            </a:r>
+            <a:r>
+              <a:rPr lang="en-US" dirty="0"/>
+              <a:t>.</a:t>
+            </a:r>
+            <a:endParaRPr lang="en-US" dirty="0"/>
+          </a:p>
+        </p:txBody>
+      </p:sp>
+      <p:pic>
+        <p:nvPicPr>
+          <p:cNvPr id="4" name="Picture 3"/>
+          <p:cNvPicPr>
+            <a:picLocks noChangeAspect="1"/>
+          </p:cNvPicPr>
+          <p:nvPr/>
+        </p:nvPicPr>
+        <p:blipFill>
+          <a:blip r:embed="rId2"/>
+          <a:stretch>
+            <a:fillRect/>
+          </a:stretch>
+        </p:blipFill>
+        <p:spPr>
+          <a:xfrm>
+            <a:off x="1553261" y="3383933"/>
+            <a:ext cx="6266764" cy="3064136"/>
+          </a:xfrm>
+          <a:prstGeom prst="rect">
+            <a:avLst/>
+          </a:prstGeom>
+        </p:spPr>
+      </p:pic>
+    </p:spTree>
+    <p:extLst>
+      <p:ext uri="{BB962C8B-B14F-4D97-AF65-F5344CB8AC3E}">
+        <p14:creationId xmlns:p14="http://schemas.microsoft.com/office/powerpoint/2010/main" val="2705486500"/>
+      </p:ext>
+    </p:extLst>
+  </p:cSld>
+  <p:clrMapOvr>
+    <a:masterClrMapping/>
+  </p:clrMapOvr>
+</p:sld>
+</file>
+
+<file path=ppt/slides/slide28.xml><?xml version="1.0" encoding="utf-8"?>
+<p:sld xmlns:a="http://schemas.openxmlformats.org/drawingml/2006/main" xmlns:r="http://schemas.openxmlformats.org/officeDocument/2006/relationships" xmlns:p="http://schemas.openxmlformats.org/presentationml/2006/main">
+  <p:cSld>
+    <p:spTree>
+      <p:nvGrpSpPr>
+        <p:cNvPr id="1" name=""/>
+        <p:cNvGrpSpPr/>
+        <p:nvPr/>
+      </p:nvGrpSpPr>
+      <p:grpSpPr>
+        <a:xfrm>
+          <a:off x="0" y="0"/>
+          <a:ext cx="0" cy="0"/>
+          <a:chOff x="0" y="0"/>
+          <a:chExt cx="0" cy="0"/>
+        </a:xfrm>
+      </p:grpSpPr>
+      <p:sp>
+        <p:nvSpPr>
+          <p:cNvPr id="2" name="Title 1"/>
+          <p:cNvSpPr>
+            <a:spLocks noGrp="1"/>
+          </p:cNvSpPr>
+          <p:nvPr>
+            <p:ph type="title"/>
+          </p:nvPr>
+        </p:nvSpPr>
+        <p:spPr/>
+        <p:txBody>
+          <a:bodyPr/>
+          <a:lstStyle/>
+          <a:p>
+            <a:pPr fontAlgn="base"/>
+            <a:r>
+              <a:rPr lang="en-US" dirty="0"/>
+              <a:t>Type </a:t>
+            </a:r>
+            <a:r>
+              <a:rPr lang="en-US" dirty="0" smtClean="0"/>
+              <a:t>Selectors</a:t>
+            </a:r>
+            <a:endParaRPr lang="en-US" dirty="0"/>
+          </a:p>
+        </p:txBody>
+      </p:sp>
+      <p:sp>
+        <p:nvSpPr>
+          <p:cNvPr id="3" name="Content Placeholder 2"/>
+          <p:cNvSpPr>
+            <a:spLocks noGrp="1"/>
+          </p:cNvSpPr>
+          <p:nvPr>
+            <p:ph idx="1"/>
+          </p:nvPr>
+        </p:nvSpPr>
+        <p:spPr/>
+        <p:txBody>
+          <a:bodyPr/>
+          <a:lstStyle/>
+          <a:p>
+            <a:pPr fontAlgn="base"/>
+            <a:r>
+              <a:rPr lang="en-US" dirty="0"/>
+              <a:t>A type selector is what we use to select an element type on the </a:t>
+            </a:r>
+            <a:r>
+              <a:rPr lang="en-US" dirty="0" smtClean="0"/>
+              <a:t>page.</a:t>
+            </a:r>
+          </a:p>
+          <a:p>
+            <a:pPr fontAlgn="base"/>
+            <a:r>
+              <a:rPr lang="en-US" dirty="0" smtClean="0"/>
+              <a:t>They're </a:t>
+            </a:r>
+            <a:r>
+              <a:rPr lang="en-US" dirty="0"/>
+              <a:t>also called element </a:t>
+            </a:r>
+            <a:r>
+              <a:rPr lang="en-US" dirty="0" smtClean="0"/>
+              <a:t>selectors, because </a:t>
+            </a:r>
+            <a:r>
+              <a:rPr lang="en-US" dirty="0"/>
+              <a:t>we only use the element's HTML tag as the selector</a:t>
+            </a:r>
+            <a:r>
+              <a:rPr lang="en-US" dirty="0" smtClean="0"/>
+              <a:t>.</a:t>
+            </a:r>
+            <a:endParaRPr lang="en-US" dirty="0"/>
+          </a:p>
+        </p:txBody>
+      </p:sp>
+    </p:spTree>
+    <p:extLst>
+      <p:ext uri="{BB962C8B-B14F-4D97-AF65-F5344CB8AC3E}">
+        <p14:creationId xmlns:p14="http://schemas.microsoft.com/office/powerpoint/2010/main" val="1811191889"/>
+      </p:ext>
+    </p:extLst>
+  </p:cSld>
+  <p:clrMapOvr>
+    <a:masterClrMapping/>
+  </p:clrMapOvr>
 </p:sld>
 </file>
 
@@ -8971,25 +11014,6 @@
           </a:p>
         </p:txBody>
       </p:sp>
-      <p:sp>
-        <p:nvSpPr>
-          <p:cNvPr id="4" name="Title 3"/>
-          <p:cNvSpPr>
-            <a:spLocks noGrp="1"/>
-          </p:cNvSpPr>
-          <p:nvPr>
-            <p:ph type="title"/>
-          </p:nvPr>
-        </p:nvSpPr>
-        <p:spPr/>
-        <p:txBody>
-          <a:bodyPr/>
-          <a:lstStyle/>
-          <a:p>
-            <a:endParaRPr lang="en-US"/>
-          </a:p>
-        </p:txBody>
-      </p:sp>
     </p:spTree>
     <p:extLst>
       <p:ext uri="{BB962C8B-B14F-4D97-AF65-F5344CB8AC3E}">
@@ -9169,7 +11193,6 @@
               <a:rPr lang="en-US" dirty="0"/>
               <a:t>.</a:t>
             </a:r>
-            <a:endParaRPr lang="en-US" dirty="0"/>
           </a:p>
         </p:txBody>
       </p:sp>

--- a/css slides.pptx
+++ b/css slides.pptx
@@ -5,7 +5,7 @@
     <p:sldMasterId id="2147483842" r:id="rId1"/>
   </p:sldMasterIdLst>
   <p:notesMasterIdLst>
-    <p:notesMasterId r:id="rId30"/>
+    <p:notesMasterId r:id="rId33"/>
   </p:notesMasterIdLst>
   <p:sldIdLst>
     <p:sldId id="256" r:id="rId2"/>
@@ -36,6 +36,9 @@
     <p:sldId id="281" r:id="rId27"/>
     <p:sldId id="282" r:id="rId28"/>
     <p:sldId id="283" r:id="rId29"/>
+    <p:sldId id="284" r:id="rId30"/>
+    <p:sldId id="285" r:id="rId31"/>
+    <p:sldId id="286" r:id="rId32"/>
   </p:sldIdLst>
   <p:sldSz cx="12192000" cy="6858000"/>
   <p:notesSz cx="6858000" cy="9144000"/>
@@ -10488,6 +10491,178 @@
 </p:sld>
 </file>
 
+<file path=ppt/slides/slide29.xml><?xml version="1.0" encoding="utf-8"?>
+<p:sld xmlns:a="http://schemas.openxmlformats.org/drawingml/2006/main" xmlns:r="http://schemas.openxmlformats.org/officeDocument/2006/relationships" xmlns:p="http://schemas.openxmlformats.org/presentationml/2006/main">
+  <p:cSld>
+    <p:spTree>
+      <p:nvGrpSpPr>
+        <p:cNvPr id="1" name=""/>
+        <p:cNvGrpSpPr/>
+        <p:nvPr/>
+      </p:nvGrpSpPr>
+      <p:grpSpPr>
+        <a:xfrm>
+          <a:off x="0" y="0"/>
+          <a:ext cx="0" cy="0"/>
+          <a:chOff x="0" y="0"/>
+          <a:chExt cx="0" cy="0"/>
+        </a:xfrm>
+      </p:grpSpPr>
+      <p:sp>
+        <p:nvSpPr>
+          <p:cNvPr id="2" name="Title 1"/>
+          <p:cNvSpPr>
+            <a:spLocks noGrp="1"/>
+          </p:cNvSpPr>
+          <p:nvPr>
+            <p:ph type="title"/>
+          </p:nvPr>
+        </p:nvSpPr>
+        <p:spPr/>
+        <p:txBody>
+          <a:bodyPr/>
+          <a:lstStyle/>
+          <a:p>
+            <a:pPr fontAlgn="base"/>
+            <a:r>
+              <a:rPr lang="en-US" dirty="0"/>
+              <a:t>ID </a:t>
+            </a:r>
+            <a:r>
+              <a:rPr lang="en-US" dirty="0" smtClean="0"/>
+              <a:t>Selectors</a:t>
+            </a:r>
+            <a:endParaRPr lang="en-US" dirty="0"/>
+          </a:p>
+        </p:txBody>
+      </p:sp>
+      <p:sp>
+        <p:nvSpPr>
+          <p:cNvPr id="3" name="Content Placeholder 2"/>
+          <p:cNvSpPr>
+            <a:spLocks noGrp="1"/>
+          </p:cNvSpPr>
+          <p:nvPr>
+            <p:ph idx="1"/>
+          </p:nvPr>
+        </p:nvSpPr>
+        <p:spPr/>
+        <p:txBody>
+          <a:bodyPr>
+            <a:normAutofit/>
+          </a:bodyPr>
+          <a:lstStyle/>
+          <a:p>
+            <a:pPr fontAlgn="base"/>
+            <a:r>
+              <a:rPr lang="en-US" dirty="0"/>
+              <a:t>A</a:t>
+            </a:r>
+            <a:r>
+              <a:rPr lang="en-US" dirty="0" smtClean="0"/>
+              <a:t>n </a:t>
+            </a:r>
+            <a:r>
+              <a:rPr lang="en-US" dirty="0"/>
+              <a:t>ID selector, lets us assign a unique ID to an element.</a:t>
+            </a:r>
+          </a:p>
+          <a:p>
+            <a:pPr fontAlgn="base"/>
+            <a:r>
+              <a:rPr lang="en-US" dirty="0" smtClean="0"/>
+              <a:t>That </a:t>
+            </a:r>
+            <a:r>
+              <a:rPr lang="en-US" dirty="0"/>
+              <a:t>way, we're able to specifically target an element based </a:t>
+            </a:r>
+            <a:r>
+              <a:rPr lang="en-US" dirty="0" smtClean="0"/>
+              <a:t>on its </a:t>
+            </a:r>
+            <a:r>
+              <a:rPr lang="en-US" dirty="0"/>
+              <a:t>ID attribute</a:t>
+            </a:r>
+            <a:r>
+              <a:rPr lang="en-US" dirty="0" smtClean="0"/>
+              <a:t>.</a:t>
+            </a:r>
+            <a:endParaRPr lang="en-US" dirty="0"/>
+          </a:p>
+          <a:p>
+            <a:pPr fontAlgn="base"/>
+            <a:r>
+              <a:rPr lang="en-US" dirty="0"/>
+              <a:t>ID selectors are declared using the pound </a:t>
+            </a:r>
+            <a:r>
+              <a:rPr lang="en-US" dirty="0" smtClean="0"/>
+              <a:t>(#) symbol </a:t>
+            </a:r>
+            <a:r>
+              <a:rPr lang="en-US" dirty="0"/>
+              <a:t>followed by the ID name</a:t>
+            </a:r>
+            <a:r>
+              <a:rPr lang="en-US" dirty="0" smtClean="0"/>
+              <a:t>.</a:t>
+            </a:r>
+          </a:p>
+          <a:p>
+            <a:pPr fontAlgn="base"/>
+            <a:r>
+              <a:rPr lang="en-US" dirty="0"/>
+              <a:t>ID's are unique to the page, </a:t>
+            </a:r>
+            <a:r>
+              <a:rPr lang="en-US" dirty="0" smtClean="0"/>
+              <a:t>so it's </a:t>
+            </a:r>
+            <a:r>
+              <a:rPr lang="en-US" dirty="0"/>
+              <a:t>important to remember that an element can only have one ID.</a:t>
+            </a:r>
+          </a:p>
+          <a:p>
+            <a:pPr fontAlgn="base"/>
+            <a:r>
+              <a:rPr lang="en-US" dirty="0" smtClean="0"/>
+              <a:t>A </a:t>
+            </a:r>
+            <a:r>
+              <a:rPr lang="en-US" dirty="0"/>
+              <a:t>page can only have one element with the same ID name</a:t>
+            </a:r>
+            <a:r>
+              <a:rPr lang="en-US" dirty="0" smtClean="0"/>
+              <a:t>.</a:t>
+            </a:r>
+            <a:r>
+              <a:rPr lang="en-US" dirty="0"/>
+              <a:t/>
+            </a:r>
+            <a:br>
+              <a:rPr lang="en-US" dirty="0"/>
+            </a:br>
+            <a:endParaRPr lang="en-US" dirty="0"/>
+          </a:p>
+        </p:txBody>
+      </p:sp>
+    </p:spTree>
+    <p:extLst>
+      <p:ext uri="{BB962C8B-B14F-4D97-AF65-F5344CB8AC3E}">
+        <p14:creationId xmlns:p14="http://schemas.microsoft.com/office/powerpoint/2010/main" val="3261733118"/>
+      </p:ext>
+    </p:extLst>
+  </p:cSld>
+  <p:clrMapOvr>
+    <a:masterClrMapping/>
+  </p:clrMapOvr>
+</p:sld>
+</file>
+
 <file path=ppt/slides/slide3.xml><?xml version="1.0" encoding="utf-8"?>
 <p:sld xmlns:a="http://schemas.openxmlformats.org/drawingml/2006/main" xmlns:r="http://schemas.openxmlformats.org/officeDocument/2006/relationships" xmlns:p="http://schemas.openxmlformats.org/presentationml/2006/main">
   <p:cSld>
@@ -10567,6 +10742,301 @@
       </p:par>
     </p:tnLst>
   </p:timing>
+</p:sld>
+</file>
+
+<file path=ppt/slides/slide30.xml><?xml version="1.0" encoding="utf-8"?>
+<p:sld xmlns:a="http://schemas.openxmlformats.org/drawingml/2006/main" xmlns:r="http://schemas.openxmlformats.org/officeDocument/2006/relationships" xmlns:p="http://schemas.openxmlformats.org/presentationml/2006/main">
+  <p:cSld>
+    <p:spTree>
+      <p:nvGrpSpPr>
+        <p:cNvPr id="1" name=""/>
+        <p:cNvGrpSpPr/>
+        <p:nvPr/>
+      </p:nvGrpSpPr>
+      <p:grpSpPr>
+        <a:xfrm>
+          <a:off x="0" y="0"/>
+          <a:ext cx="0" cy="0"/>
+          <a:chOff x="0" y="0"/>
+          <a:chExt cx="0" cy="0"/>
+        </a:xfrm>
+      </p:grpSpPr>
+      <p:sp>
+        <p:nvSpPr>
+          <p:cNvPr id="2" name="Title 1"/>
+          <p:cNvSpPr>
+            <a:spLocks noGrp="1"/>
+          </p:cNvSpPr>
+          <p:nvPr>
+            <p:ph type="title"/>
+          </p:nvPr>
+        </p:nvSpPr>
+        <p:spPr/>
+        <p:txBody>
+          <a:bodyPr/>
+          <a:lstStyle/>
+          <a:p>
+            <a:pPr fontAlgn="base"/>
+            <a:r>
+              <a:rPr lang="en-US" dirty="0"/>
+              <a:t>Class </a:t>
+            </a:r>
+            <a:r>
+              <a:rPr lang="en-US" dirty="0" smtClean="0"/>
+              <a:t>Selectors</a:t>
+            </a:r>
+            <a:endParaRPr lang="en-US" dirty="0"/>
+          </a:p>
+        </p:txBody>
+      </p:sp>
+      <p:sp>
+        <p:nvSpPr>
+          <p:cNvPr id="3" name="Content Placeholder 2"/>
+          <p:cNvSpPr>
+            <a:spLocks noGrp="1"/>
+          </p:cNvSpPr>
+          <p:nvPr>
+            <p:ph idx="1"/>
+          </p:nvPr>
+        </p:nvSpPr>
+        <p:spPr/>
+        <p:txBody>
+          <a:bodyPr>
+            <a:normAutofit lnSpcReduction="10000"/>
+          </a:bodyPr>
+          <a:lstStyle/>
+          <a:p>
+            <a:r>
+              <a:rPr lang="en-US" dirty="0"/>
+              <a:t>Class selectors let us target elements based on their class attribute. The main difference between a class and an ID selector is that IDs are unique and they’re used to identify one element on the page, whereas a class can target more than one element</a:t>
+            </a:r>
+            <a:r>
+              <a:rPr lang="en-US" dirty="0" smtClean="0"/>
+              <a:t>.</a:t>
+            </a:r>
+          </a:p>
+          <a:p>
+            <a:pPr fontAlgn="base"/>
+            <a:r>
+              <a:rPr lang="en-US" dirty="0"/>
+              <a:t>T</a:t>
+            </a:r>
+            <a:r>
+              <a:rPr lang="en-US" dirty="0" smtClean="0"/>
+              <a:t>he </a:t>
+            </a:r>
+            <a:r>
+              <a:rPr lang="en-US" dirty="0"/>
+              <a:t>main difference between a class </a:t>
+            </a:r>
+            <a:r>
+              <a:rPr lang="en-US" dirty="0" smtClean="0"/>
+              <a:t>and an </a:t>
+            </a:r>
+            <a:r>
+              <a:rPr lang="en-US" dirty="0"/>
+              <a:t>ID selector is that ID's are </a:t>
+            </a:r>
+            <a:r>
+              <a:rPr lang="en-US" dirty="0" smtClean="0"/>
+              <a:t>unique. And </a:t>
+            </a:r>
+            <a:r>
+              <a:rPr lang="en-US" dirty="0"/>
+              <a:t>they're used to identify one element on the page.</a:t>
+            </a:r>
+          </a:p>
+          <a:p>
+            <a:pPr fontAlgn="base"/>
+            <a:r>
+              <a:rPr lang="en-US" dirty="0" smtClean="0"/>
+              <a:t>Whereas </a:t>
+            </a:r>
+            <a:r>
+              <a:rPr lang="en-US" dirty="0"/>
+              <a:t>a class can be used to classify and target more than one </a:t>
+            </a:r>
+            <a:r>
+              <a:rPr lang="en-US" dirty="0" smtClean="0"/>
+              <a:t>element. This </a:t>
+            </a:r>
+            <a:r>
+              <a:rPr lang="en-US" dirty="0"/>
+              <a:t>makes classes more flexible than </a:t>
+            </a:r>
+            <a:r>
+              <a:rPr lang="en-US" dirty="0" smtClean="0"/>
+              <a:t>ID's.</a:t>
+            </a:r>
+          </a:p>
+          <a:p>
+            <a:pPr fontAlgn="base"/>
+            <a:r>
+              <a:rPr lang="en-US" dirty="0"/>
+              <a:t>Classes let us target more than one element with the same class </a:t>
+            </a:r>
+            <a:r>
+              <a:rPr lang="en-US" dirty="0" smtClean="0"/>
+              <a:t>name. In </a:t>
+            </a:r>
+            <a:r>
+              <a:rPr lang="en-US" dirty="0"/>
+              <a:t>fact, that's one of the biggest advantages to using class selectors.</a:t>
+            </a:r>
+          </a:p>
+          <a:p>
+            <a:pPr fontAlgn="base"/>
+            <a:r>
+              <a:rPr lang="en-US" dirty="0" smtClean="0"/>
+              <a:t>Multiple </a:t>
+            </a:r>
+            <a:r>
+              <a:rPr lang="en-US" dirty="0"/>
+              <a:t>elements can share the same class, </a:t>
+            </a:r>
+            <a:r>
+              <a:rPr lang="en-US" dirty="0" smtClean="0"/>
+              <a:t>so we're </a:t>
+            </a:r>
+            <a:r>
+              <a:rPr lang="en-US" dirty="0"/>
+              <a:t>able to reuse them throughout a page</a:t>
+            </a:r>
+            <a:r>
+              <a:rPr lang="en-US" dirty="0" smtClean="0"/>
+              <a:t>.</a:t>
+            </a:r>
+            <a:endParaRPr lang="en-US" dirty="0"/>
+          </a:p>
+        </p:txBody>
+      </p:sp>
+    </p:spTree>
+    <p:extLst>
+      <p:ext uri="{BB962C8B-B14F-4D97-AF65-F5344CB8AC3E}">
+        <p14:creationId xmlns:p14="http://schemas.microsoft.com/office/powerpoint/2010/main" val="3135793116"/>
+      </p:ext>
+    </p:extLst>
+  </p:cSld>
+  <p:clrMapOvr>
+    <a:masterClrMapping/>
+  </p:clrMapOvr>
+</p:sld>
+</file>
+
+<file path=ppt/slides/slide31.xml><?xml version="1.0" encoding="utf-8"?>
+<p:sld xmlns:a="http://schemas.openxmlformats.org/drawingml/2006/main" xmlns:r="http://schemas.openxmlformats.org/officeDocument/2006/relationships" xmlns:p="http://schemas.openxmlformats.org/presentationml/2006/main">
+  <p:cSld>
+    <p:spTree>
+      <p:nvGrpSpPr>
+        <p:cNvPr id="1" name=""/>
+        <p:cNvGrpSpPr/>
+        <p:nvPr/>
+      </p:nvGrpSpPr>
+      <p:grpSpPr>
+        <a:xfrm>
+          <a:off x="0" y="0"/>
+          <a:ext cx="0" cy="0"/>
+          <a:chOff x="0" y="0"/>
+          <a:chExt cx="0" cy="0"/>
+        </a:xfrm>
+      </p:grpSpPr>
+      <p:sp>
+        <p:nvSpPr>
+          <p:cNvPr id="2" name="Title 1"/>
+          <p:cNvSpPr>
+            <a:spLocks noGrp="1"/>
+          </p:cNvSpPr>
+          <p:nvPr>
+            <p:ph type="title"/>
+          </p:nvPr>
+        </p:nvSpPr>
+        <p:spPr/>
+        <p:txBody>
+          <a:bodyPr/>
+          <a:lstStyle/>
+          <a:p>
+            <a:pPr fontAlgn="base"/>
+            <a:r>
+              <a:rPr lang="en-US" dirty="0"/>
+              <a:t>Descendant </a:t>
+            </a:r>
+            <a:r>
+              <a:rPr lang="en-US" dirty="0" smtClean="0"/>
+              <a:t>Selectors</a:t>
+            </a:r>
+            <a:endParaRPr lang="en-US" dirty="0"/>
+          </a:p>
+        </p:txBody>
+      </p:sp>
+      <p:sp>
+        <p:nvSpPr>
+          <p:cNvPr id="3" name="Content Placeholder 2"/>
+          <p:cNvSpPr>
+            <a:spLocks noGrp="1"/>
+          </p:cNvSpPr>
+          <p:nvPr>
+            <p:ph idx="1"/>
+          </p:nvPr>
+        </p:nvSpPr>
+        <p:spPr/>
+        <p:txBody>
+          <a:bodyPr/>
+          <a:lstStyle/>
+          <a:p>
+            <a:pPr fontAlgn="base"/>
+            <a:r>
+              <a:rPr lang="en-US" dirty="0"/>
+              <a:t>CSS also lets us target elements based on their relationship in the HTML document.</a:t>
+            </a:r>
+          </a:p>
+          <a:p>
+            <a:pPr fontAlgn="base"/>
+            <a:r>
+              <a:rPr lang="en-US" dirty="0" smtClean="0"/>
+              <a:t>For </a:t>
+            </a:r>
+            <a:r>
+              <a:rPr lang="en-US" dirty="0"/>
+              <a:t>instance, we can combine selectors to create what's called a </a:t>
+            </a:r>
+            <a:r>
+              <a:rPr lang="en-US" dirty="0" smtClean="0"/>
+              <a:t>descendent selector</a:t>
+            </a:r>
+            <a:r>
+              <a:rPr lang="en-US" dirty="0"/>
+              <a:t>, because it targets an element that's a descendent of another element.</a:t>
+            </a:r>
+          </a:p>
+          <a:p>
+            <a:pPr fontAlgn="base"/>
+            <a:r>
+              <a:rPr lang="en-US" dirty="0" smtClean="0"/>
+              <a:t>This </a:t>
+            </a:r>
+            <a:r>
+              <a:rPr lang="en-US" dirty="0"/>
+              <a:t>makes our selectors more specific</a:t>
+            </a:r>
+            <a:r>
+              <a:rPr lang="en-US" dirty="0" smtClean="0"/>
+              <a:t>.</a:t>
+            </a:r>
+            <a:endParaRPr lang="en-US" dirty="0"/>
+          </a:p>
+        </p:txBody>
+      </p:sp>
+    </p:spTree>
+    <p:extLst>
+      <p:ext uri="{BB962C8B-B14F-4D97-AF65-F5344CB8AC3E}">
+        <p14:creationId xmlns:p14="http://schemas.microsoft.com/office/powerpoint/2010/main" val="2053680725"/>
+      </p:ext>
+    </p:extLst>
+  </p:cSld>
+  <p:clrMapOvr>
+    <a:masterClrMapping/>
+  </p:clrMapOvr>
 </p:sld>
 </file>
 
